--- a/doc/Rekam Medis.pptx
+++ b/doc/Rekam Medis.pptx
@@ -14,6 +14,8 @@
     <p:sldId id="400" r:id="rId8"/>
     <p:sldId id="403" r:id="rId9"/>
     <p:sldId id="383" r:id="rId10"/>
+    <p:sldId id="405" r:id="rId11"/>
+    <p:sldId id="404" r:id="rId12"/>
   </p:sldIdLst>
   <p:sldSz cx="12192000" cy="6858000"/>
   <p:notesSz cx="6858000" cy="9144000"/>
@@ -112,6 +114,11 @@
       </a:defRPr>
     </a:lvl9pPr>
   </p:defaultTextStyle>
+  <p:extLst>
+    <p:ext uri="{EFAFB233-063F-42B5-8137-9DF3F51BA10A}">
+      <p15:sldGuideLst xmlns:p15="http://schemas.microsoft.com/office/powerpoint/2012/main"/>
+    </p:ext>
+  </p:extLst>
 </p:presentation>
 </file>
 
@@ -262,7 +269,7 @@
           <a:p>
             <a:fld id="{2948221F-918A-4D6B-891F-51E76AD7B6FF}" type="datetimeFigureOut">
               <a:rPr lang="en-US" smtClean="0"/>
-              <a:t>2/24/2022</a:t>
+              <a:t>3/1/2022</a:t>
             </a:fld>
             <a:endParaRPr lang="en-US"/>
           </a:p>
@@ -460,7 +467,7 @@
           <a:p>
             <a:fld id="{2948221F-918A-4D6B-891F-51E76AD7B6FF}" type="datetimeFigureOut">
               <a:rPr lang="en-US" smtClean="0"/>
-              <a:t>2/24/2022</a:t>
+              <a:t>3/1/2022</a:t>
             </a:fld>
             <a:endParaRPr lang="en-US"/>
           </a:p>
@@ -668,7 +675,7 @@
           <a:p>
             <a:fld id="{2948221F-918A-4D6B-891F-51E76AD7B6FF}" type="datetimeFigureOut">
               <a:rPr lang="en-US" smtClean="0"/>
-              <a:t>2/24/2022</a:t>
+              <a:t>3/1/2022</a:t>
             </a:fld>
             <a:endParaRPr lang="en-US"/>
           </a:p>
@@ -866,7 +873,7 @@
           <a:p>
             <a:fld id="{2948221F-918A-4D6B-891F-51E76AD7B6FF}" type="datetimeFigureOut">
               <a:rPr lang="en-US" smtClean="0"/>
-              <a:t>2/24/2022</a:t>
+              <a:t>3/1/2022</a:t>
             </a:fld>
             <a:endParaRPr lang="en-US"/>
           </a:p>
@@ -1141,7 +1148,7 @@
           <a:p>
             <a:fld id="{2948221F-918A-4D6B-891F-51E76AD7B6FF}" type="datetimeFigureOut">
               <a:rPr lang="en-US" smtClean="0"/>
-              <a:t>2/24/2022</a:t>
+              <a:t>3/1/2022</a:t>
             </a:fld>
             <a:endParaRPr lang="en-US"/>
           </a:p>
@@ -1406,7 +1413,7 @@
           <a:p>
             <a:fld id="{2948221F-918A-4D6B-891F-51E76AD7B6FF}" type="datetimeFigureOut">
               <a:rPr lang="en-US" smtClean="0"/>
-              <a:t>2/24/2022</a:t>
+              <a:t>3/1/2022</a:t>
             </a:fld>
             <a:endParaRPr lang="en-US"/>
           </a:p>
@@ -1818,7 +1825,7 @@
           <a:p>
             <a:fld id="{2948221F-918A-4D6B-891F-51E76AD7B6FF}" type="datetimeFigureOut">
               <a:rPr lang="en-US" smtClean="0"/>
-              <a:t>2/24/2022</a:t>
+              <a:t>3/1/2022</a:t>
             </a:fld>
             <a:endParaRPr lang="en-US"/>
           </a:p>
@@ -1959,7 +1966,7 @@
           <a:p>
             <a:fld id="{2948221F-918A-4D6B-891F-51E76AD7B6FF}" type="datetimeFigureOut">
               <a:rPr lang="en-US" smtClean="0"/>
-              <a:t>2/24/2022</a:t>
+              <a:t>3/1/2022</a:t>
             </a:fld>
             <a:endParaRPr lang="en-US"/>
           </a:p>
@@ -2072,7 +2079,7 @@
           <a:p>
             <a:fld id="{2948221F-918A-4D6B-891F-51E76AD7B6FF}" type="datetimeFigureOut">
               <a:rPr lang="en-US" smtClean="0"/>
-              <a:t>2/24/2022</a:t>
+              <a:t>3/1/2022</a:t>
             </a:fld>
             <a:endParaRPr lang="en-US"/>
           </a:p>
@@ -2383,7 +2390,7 @@
           <a:p>
             <a:fld id="{2948221F-918A-4D6B-891F-51E76AD7B6FF}" type="datetimeFigureOut">
               <a:rPr lang="en-US" smtClean="0"/>
-              <a:t>2/24/2022</a:t>
+              <a:t>3/1/2022</a:t>
             </a:fld>
             <a:endParaRPr lang="en-US"/>
           </a:p>
@@ -2671,7 +2678,7 @@
           <a:p>
             <a:fld id="{2948221F-918A-4D6B-891F-51E76AD7B6FF}" type="datetimeFigureOut">
               <a:rPr lang="en-US" smtClean="0"/>
-              <a:t>2/24/2022</a:t>
+              <a:t>3/1/2022</a:t>
             </a:fld>
             <a:endParaRPr lang="en-US"/>
           </a:p>
@@ -2912,7 +2919,7 @@
           <a:p>
             <a:fld id="{2948221F-918A-4D6B-891F-51E76AD7B6FF}" type="datetimeFigureOut">
               <a:rPr lang="en-US" smtClean="0"/>
-              <a:t>2/24/2022</a:t>
+              <a:t>3/1/2022</a:t>
             </a:fld>
             <a:endParaRPr lang="en-US"/>
           </a:p>
@@ -3545,6 +3552,3366 @@
 </p:sld>
 </file>
 
+<file path=ppt/slides/slide10.xml><?xml version="1.0" encoding="utf-8"?>
+<p:sld xmlns:a="http://schemas.openxmlformats.org/drawingml/2006/main" xmlns:r="http://schemas.openxmlformats.org/officeDocument/2006/relationships" xmlns:p="http://schemas.openxmlformats.org/presentationml/2006/main">
+  <p:cSld>
+    <p:spTree>
+      <p:nvGrpSpPr>
+        <p:cNvPr id="1" name=""/>
+        <p:cNvGrpSpPr/>
+        <p:nvPr/>
+      </p:nvGrpSpPr>
+      <p:grpSpPr>
+        <a:xfrm>
+          <a:off x="0" y="0"/>
+          <a:ext cx="0" cy="0"/>
+          <a:chOff x="0" y="0"/>
+          <a:chExt cx="0" cy="0"/>
+        </a:xfrm>
+      </p:grpSpPr>
+      <p:sp>
+        <p:nvSpPr>
+          <p:cNvPr id="78" name="Rectangle 77">
+            <a:extLst>
+              <a:ext uri="{FF2B5EF4-FFF2-40B4-BE49-F238E27FC236}">
+                <a16:creationId xmlns:a16="http://schemas.microsoft.com/office/drawing/2014/main" id="{B9575713-2324-4458-9DD0-9A3C0EE4468A}"/>
+              </a:ext>
+            </a:extLst>
+          </p:cNvPr>
+          <p:cNvSpPr/>
+          <p:nvPr/>
+        </p:nvSpPr>
+        <p:spPr>
+          <a:xfrm>
+            <a:off x="9904634" y="3814651"/>
+            <a:ext cx="2019699" cy="2557314"/>
+          </a:xfrm>
+          <a:prstGeom prst="rect">
+            <a:avLst/>
+          </a:prstGeom>
+          <a:solidFill>
+            <a:schemeClr val="bg1">
+              <a:lumMod val="95000"/>
+            </a:schemeClr>
+          </a:solidFill>
+          <a:ln>
+            <a:noFill/>
+          </a:ln>
+        </p:spPr>
+        <p:style>
+          <a:lnRef idx="2">
+            <a:schemeClr val="accent1">
+              <a:shade val="50000"/>
+            </a:schemeClr>
+          </a:lnRef>
+          <a:fillRef idx="1">
+            <a:schemeClr val="accent1"/>
+          </a:fillRef>
+          <a:effectRef idx="0">
+            <a:schemeClr val="accent1"/>
+          </a:effectRef>
+          <a:fontRef idx="minor">
+            <a:schemeClr val="lt1"/>
+          </a:fontRef>
+        </p:style>
+        <p:txBody>
+          <a:bodyPr rtlCol="0" anchor="ctr"/>
+          <a:lstStyle/>
+          <a:p>
+            <a:pPr algn="ctr"/>
+            <a:endParaRPr lang="en-US" dirty="0"/>
+          </a:p>
+        </p:txBody>
+      </p:sp>
+      <p:sp>
+        <p:nvSpPr>
+          <p:cNvPr id="77" name="Rectangle 76">
+            <a:extLst>
+              <a:ext uri="{FF2B5EF4-FFF2-40B4-BE49-F238E27FC236}">
+                <a16:creationId xmlns:a16="http://schemas.microsoft.com/office/drawing/2014/main" id="{FA01DD88-7A67-4512-9A90-432C309C3733}"/>
+              </a:ext>
+            </a:extLst>
+          </p:cNvPr>
+          <p:cNvSpPr/>
+          <p:nvPr/>
+        </p:nvSpPr>
+        <p:spPr>
+          <a:xfrm>
+            <a:off x="7561280" y="3805026"/>
+            <a:ext cx="2019699" cy="2557314"/>
+          </a:xfrm>
+          <a:prstGeom prst="rect">
+            <a:avLst/>
+          </a:prstGeom>
+          <a:solidFill>
+            <a:schemeClr val="bg1">
+              <a:lumMod val="95000"/>
+            </a:schemeClr>
+          </a:solidFill>
+          <a:ln>
+            <a:noFill/>
+          </a:ln>
+        </p:spPr>
+        <p:style>
+          <a:lnRef idx="2">
+            <a:schemeClr val="accent1">
+              <a:shade val="50000"/>
+            </a:schemeClr>
+          </a:lnRef>
+          <a:fillRef idx="1">
+            <a:schemeClr val="accent1"/>
+          </a:fillRef>
+          <a:effectRef idx="0">
+            <a:schemeClr val="accent1"/>
+          </a:effectRef>
+          <a:fontRef idx="minor">
+            <a:schemeClr val="lt1"/>
+          </a:fontRef>
+        </p:style>
+        <p:txBody>
+          <a:bodyPr rtlCol="0" anchor="ctr"/>
+          <a:lstStyle/>
+          <a:p>
+            <a:pPr algn="ctr"/>
+            <a:endParaRPr lang="en-US" dirty="0"/>
+          </a:p>
+        </p:txBody>
+      </p:sp>
+      <p:sp>
+        <p:nvSpPr>
+          <p:cNvPr id="76" name="Rectangle 75">
+            <a:extLst>
+              <a:ext uri="{FF2B5EF4-FFF2-40B4-BE49-F238E27FC236}">
+                <a16:creationId xmlns:a16="http://schemas.microsoft.com/office/drawing/2014/main" id="{BEC1BFD6-7117-4F57-9A0A-4EC7EA88B0D1}"/>
+              </a:ext>
+            </a:extLst>
+          </p:cNvPr>
+          <p:cNvSpPr/>
+          <p:nvPr/>
+        </p:nvSpPr>
+        <p:spPr>
+          <a:xfrm>
+            <a:off x="5173618" y="3805026"/>
+            <a:ext cx="2019699" cy="2557314"/>
+          </a:xfrm>
+          <a:prstGeom prst="rect">
+            <a:avLst/>
+          </a:prstGeom>
+          <a:solidFill>
+            <a:srgbClr val="E8E8E8"/>
+          </a:solidFill>
+          <a:ln>
+            <a:noFill/>
+          </a:ln>
+        </p:spPr>
+        <p:style>
+          <a:lnRef idx="2">
+            <a:schemeClr val="accent1">
+              <a:shade val="50000"/>
+            </a:schemeClr>
+          </a:lnRef>
+          <a:fillRef idx="1">
+            <a:schemeClr val="accent1"/>
+          </a:fillRef>
+          <a:effectRef idx="0">
+            <a:schemeClr val="accent1"/>
+          </a:effectRef>
+          <a:fontRef idx="minor">
+            <a:schemeClr val="lt1"/>
+          </a:fontRef>
+        </p:style>
+        <p:txBody>
+          <a:bodyPr rtlCol="0" anchor="ctr"/>
+          <a:lstStyle/>
+          <a:p>
+            <a:pPr algn="ctr"/>
+            <a:endParaRPr lang="en-US" dirty="0"/>
+          </a:p>
+        </p:txBody>
+      </p:sp>
+      <p:sp>
+        <p:nvSpPr>
+          <p:cNvPr id="75" name="Rectangle 74">
+            <a:extLst>
+              <a:ext uri="{FF2B5EF4-FFF2-40B4-BE49-F238E27FC236}">
+                <a16:creationId xmlns:a16="http://schemas.microsoft.com/office/drawing/2014/main" id="{A43754C7-495C-435C-AC7F-FDBFFAA0DB7A}"/>
+              </a:ext>
+            </a:extLst>
+          </p:cNvPr>
+          <p:cNvSpPr/>
+          <p:nvPr/>
+        </p:nvSpPr>
+        <p:spPr>
+          <a:xfrm>
+            <a:off x="384618" y="424610"/>
+            <a:ext cx="2019699" cy="2557314"/>
+          </a:xfrm>
+          <a:prstGeom prst="rect">
+            <a:avLst/>
+          </a:prstGeom>
+          <a:solidFill>
+            <a:srgbClr val="E8E8E8"/>
+          </a:solidFill>
+          <a:ln>
+            <a:noFill/>
+          </a:ln>
+        </p:spPr>
+        <p:style>
+          <a:lnRef idx="2">
+            <a:schemeClr val="accent1">
+              <a:shade val="50000"/>
+            </a:schemeClr>
+          </a:lnRef>
+          <a:fillRef idx="1">
+            <a:schemeClr val="accent1"/>
+          </a:fillRef>
+          <a:effectRef idx="0">
+            <a:schemeClr val="accent1"/>
+          </a:effectRef>
+          <a:fontRef idx="minor">
+            <a:schemeClr val="lt1"/>
+          </a:fontRef>
+        </p:style>
+        <p:txBody>
+          <a:bodyPr rtlCol="0" anchor="ctr"/>
+          <a:lstStyle/>
+          <a:p>
+            <a:pPr algn="ctr"/>
+            <a:endParaRPr lang="en-US" dirty="0"/>
+          </a:p>
+        </p:txBody>
+      </p:sp>
+      <p:sp>
+        <p:nvSpPr>
+          <p:cNvPr id="74" name="Rectangle 73">
+            <a:extLst>
+              <a:ext uri="{FF2B5EF4-FFF2-40B4-BE49-F238E27FC236}">
+                <a16:creationId xmlns:a16="http://schemas.microsoft.com/office/drawing/2014/main" id="{2FB5C299-0B1D-4DC4-A2BE-C635DB9EEDFE}"/>
+              </a:ext>
+            </a:extLst>
+          </p:cNvPr>
+          <p:cNvSpPr/>
+          <p:nvPr/>
+        </p:nvSpPr>
+        <p:spPr>
+          <a:xfrm>
+            <a:off x="2950949" y="424610"/>
+            <a:ext cx="2019699" cy="2557314"/>
+          </a:xfrm>
+          <a:prstGeom prst="rect">
+            <a:avLst/>
+          </a:prstGeom>
+          <a:solidFill>
+            <a:schemeClr val="bg1">
+              <a:lumMod val="95000"/>
+            </a:schemeClr>
+          </a:solidFill>
+          <a:ln>
+            <a:noFill/>
+          </a:ln>
+        </p:spPr>
+        <p:style>
+          <a:lnRef idx="2">
+            <a:schemeClr val="accent1">
+              <a:shade val="50000"/>
+            </a:schemeClr>
+          </a:lnRef>
+          <a:fillRef idx="1">
+            <a:schemeClr val="accent1"/>
+          </a:fillRef>
+          <a:effectRef idx="0">
+            <a:schemeClr val="accent1"/>
+          </a:effectRef>
+          <a:fontRef idx="minor">
+            <a:schemeClr val="lt1"/>
+          </a:fontRef>
+        </p:style>
+        <p:txBody>
+          <a:bodyPr rtlCol="0" anchor="ctr"/>
+          <a:lstStyle/>
+          <a:p>
+            <a:pPr algn="ctr"/>
+            <a:endParaRPr lang="en-US" dirty="0"/>
+          </a:p>
+        </p:txBody>
+      </p:sp>
+      <p:sp>
+        <p:nvSpPr>
+          <p:cNvPr id="73" name="Rectangle 72">
+            <a:extLst>
+              <a:ext uri="{FF2B5EF4-FFF2-40B4-BE49-F238E27FC236}">
+                <a16:creationId xmlns:a16="http://schemas.microsoft.com/office/drawing/2014/main" id="{046FD436-85DC-45B3-A34A-4F56D1FC523B}"/>
+              </a:ext>
+            </a:extLst>
+          </p:cNvPr>
+          <p:cNvSpPr/>
+          <p:nvPr/>
+        </p:nvSpPr>
+        <p:spPr>
+          <a:xfrm>
+            <a:off x="5094178" y="412366"/>
+            <a:ext cx="4248000" cy="2557314"/>
+          </a:xfrm>
+          <a:prstGeom prst="rect">
+            <a:avLst/>
+          </a:prstGeom>
+          <a:solidFill>
+            <a:schemeClr val="bg1">
+              <a:lumMod val="95000"/>
+            </a:schemeClr>
+          </a:solidFill>
+          <a:ln>
+            <a:noFill/>
+          </a:ln>
+        </p:spPr>
+        <p:style>
+          <a:lnRef idx="2">
+            <a:schemeClr val="accent1">
+              <a:shade val="50000"/>
+            </a:schemeClr>
+          </a:lnRef>
+          <a:fillRef idx="1">
+            <a:schemeClr val="accent1"/>
+          </a:fillRef>
+          <a:effectRef idx="0">
+            <a:schemeClr val="accent1"/>
+          </a:effectRef>
+          <a:fontRef idx="minor">
+            <a:schemeClr val="lt1"/>
+          </a:fontRef>
+        </p:style>
+        <p:txBody>
+          <a:bodyPr rtlCol="0" anchor="ctr"/>
+          <a:lstStyle/>
+          <a:p>
+            <a:pPr algn="ctr"/>
+            <a:endParaRPr lang="en-US" dirty="0"/>
+          </a:p>
+        </p:txBody>
+      </p:sp>
+      <p:sp>
+        <p:nvSpPr>
+          <p:cNvPr id="6" name="Rectangle 5">
+            <a:extLst>
+              <a:ext uri="{FF2B5EF4-FFF2-40B4-BE49-F238E27FC236}">
+                <a16:creationId xmlns:a16="http://schemas.microsoft.com/office/drawing/2014/main" id="{C53AA8D4-4DB8-42E9-BD60-E09555D54C31}"/>
+              </a:ext>
+            </a:extLst>
+          </p:cNvPr>
+          <p:cNvSpPr/>
+          <p:nvPr/>
+        </p:nvSpPr>
+        <p:spPr>
+          <a:xfrm>
+            <a:off x="508539" y="498910"/>
+            <a:ext cx="1763028" cy="2367814"/>
+          </a:xfrm>
+          <a:prstGeom prst="rect">
+            <a:avLst/>
+          </a:prstGeom>
+          <a:solidFill>
+            <a:schemeClr val="bg1"/>
+          </a:solidFill>
+          <a:ln w="76200">
+            <a:solidFill>
+              <a:srgbClr val="A4F0E2"/>
+            </a:solidFill>
+          </a:ln>
+        </p:spPr>
+        <p:style>
+          <a:lnRef idx="2">
+            <a:schemeClr val="accent1">
+              <a:shade val="50000"/>
+            </a:schemeClr>
+          </a:lnRef>
+          <a:fillRef idx="1">
+            <a:schemeClr val="accent1"/>
+          </a:fillRef>
+          <a:effectRef idx="0">
+            <a:schemeClr val="accent1"/>
+          </a:effectRef>
+          <a:fontRef idx="minor">
+            <a:schemeClr val="lt1"/>
+          </a:fontRef>
+        </p:style>
+        <p:txBody>
+          <a:bodyPr rtlCol="0" anchor="ctr"/>
+          <a:lstStyle/>
+          <a:p>
+            <a:pPr algn="ctr"/>
+            <a:endParaRPr lang="en-US" dirty="0"/>
+          </a:p>
+        </p:txBody>
+      </p:sp>
+      <p:sp>
+        <p:nvSpPr>
+          <p:cNvPr id="8" name="Rectangle 7">
+            <a:extLst>
+              <a:ext uri="{FF2B5EF4-FFF2-40B4-BE49-F238E27FC236}">
+                <a16:creationId xmlns:a16="http://schemas.microsoft.com/office/drawing/2014/main" id="{20D2DDFF-00A8-490D-A22C-A2DC664EF374}"/>
+              </a:ext>
+            </a:extLst>
+          </p:cNvPr>
+          <p:cNvSpPr/>
+          <p:nvPr/>
+        </p:nvSpPr>
+        <p:spPr>
+          <a:xfrm>
+            <a:off x="673773" y="1501541"/>
+            <a:ext cx="1434163" cy="202130"/>
+          </a:xfrm>
+          <a:prstGeom prst="rect">
+            <a:avLst/>
+          </a:prstGeom>
+          <a:solidFill>
+            <a:srgbClr val="C6F6ED"/>
+          </a:solidFill>
+          <a:ln>
+            <a:solidFill>
+              <a:srgbClr val="A4F0E2"/>
+            </a:solidFill>
+          </a:ln>
+        </p:spPr>
+        <p:style>
+          <a:lnRef idx="2">
+            <a:schemeClr val="accent1">
+              <a:shade val="50000"/>
+            </a:schemeClr>
+          </a:lnRef>
+          <a:fillRef idx="1">
+            <a:schemeClr val="accent1"/>
+          </a:fillRef>
+          <a:effectRef idx="0">
+            <a:schemeClr val="accent1"/>
+          </a:effectRef>
+          <a:fontRef idx="minor">
+            <a:schemeClr val="lt1"/>
+          </a:fontRef>
+        </p:style>
+        <p:txBody>
+          <a:bodyPr rtlCol="0" anchor="ctr"/>
+          <a:lstStyle/>
+          <a:p>
+            <a:pPr algn="ctr"/>
+            <a:r>
+              <a:rPr lang="en-US" sz="1100" dirty="0">
+                <a:solidFill>
+                  <a:schemeClr val="tx1"/>
+                </a:solidFill>
+              </a:rPr>
+              <a:t>a)</a:t>
+            </a:r>
+            <a:r>
+              <a:rPr lang="en-US" sz="1200" dirty="0">
+                <a:solidFill>
+                  <a:schemeClr val="tx1"/>
+                </a:solidFill>
+              </a:rPr>
+              <a:t> Riwayat Janji</a:t>
+            </a:r>
+          </a:p>
+        </p:txBody>
+      </p:sp>
+      <p:sp>
+        <p:nvSpPr>
+          <p:cNvPr id="9" name="Rectangle 8">
+            <a:extLst>
+              <a:ext uri="{FF2B5EF4-FFF2-40B4-BE49-F238E27FC236}">
+                <a16:creationId xmlns:a16="http://schemas.microsoft.com/office/drawing/2014/main" id="{52A9401E-8A78-4480-9275-0438158D4563}"/>
+              </a:ext>
+            </a:extLst>
+          </p:cNvPr>
+          <p:cNvSpPr/>
+          <p:nvPr/>
+        </p:nvSpPr>
+        <p:spPr>
+          <a:xfrm>
+            <a:off x="673774" y="1763027"/>
+            <a:ext cx="1434164" cy="202130"/>
+          </a:xfrm>
+          <a:prstGeom prst="rect">
+            <a:avLst/>
+          </a:prstGeom>
+          <a:solidFill>
+            <a:srgbClr val="C6F6ED"/>
+          </a:solidFill>
+          <a:ln>
+            <a:solidFill>
+              <a:srgbClr val="A4F0E2"/>
+            </a:solidFill>
+          </a:ln>
+        </p:spPr>
+        <p:style>
+          <a:lnRef idx="2">
+            <a:schemeClr val="accent1">
+              <a:shade val="50000"/>
+            </a:schemeClr>
+          </a:lnRef>
+          <a:fillRef idx="1">
+            <a:schemeClr val="accent1"/>
+          </a:fillRef>
+          <a:effectRef idx="0">
+            <a:schemeClr val="accent1"/>
+          </a:effectRef>
+          <a:fontRef idx="minor">
+            <a:schemeClr val="lt1"/>
+          </a:fontRef>
+        </p:style>
+        <p:txBody>
+          <a:bodyPr rtlCol="0" anchor="ctr"/>
+          <a:lstStyle/>
+          <a:p>
+            <a:pPr algn="ctr"/>
+            <a:r>
+              <a:rPr lang="en-US" sz="1100" dirty="0">
+                <a:solidFill>
+                  <a:schemeClr val="tx1"/>
+                </a:solidFill>
+              </a:rPr>
+              <a:t>b)</a:t>
+            </a:r>
+            <a:r>
+              <a:rPr lang="en-US" sz="1200" dirty="0">
+                <a:solidFill>
+                  <a:schemeClr val="tx1"/>
+                </a:solidFill>
+              </a:rPr>
+              <a:t> Registrasi Pasien</a:t>
+            </a:r>
+          </a:p>
+        </p:txBody>
+      </p:sp>
+      <p:sp>
+        <p:nvSpPr>
+          <p:cNvPr id="10" name="Rectangle 9">
+            <a:extLst>
+              <a:ext uri="{FF2B5EF4-FFF2-40B4-BE49-F238E27FC236}">
+                <a16:creationId xmlns:a16="http://schemas.microsoft.com/office/drawing/2014/main" id="{CAFFB48E-A949-4134-AB55-D709A8662C25}"/>
+              </a:ext>
+            </a:extLst>
+          </p:cNvPr>
+          <p:cNvSpPr/>
+          <p:nvPr/>
+        </p:nvSpPr>
+        <p:spPr>
+          <a:xfrm>
+            <a:off x="673773" y="721093"/>
+            <a:ext cx="1434163" cy="414688"/>
+          </a:xfrm>
+          <a:prstGeom prst="rect">
+            <a:avLst/>
+          </a:prstGeom>
+          <a:solidFill>
+            <a:srgbClr val="A4F0E2"/>
+          </a:solidFill>
+          <a:ln>
+            <a:solidFill>
+              <a:srgbClr val="A4F0E2"/>
+            </a:solidFill>
+          </a:ln>
+        </p:spPr>
+        <p:style>
+          <a:lnRef idx="2">
+            <a:schemeClr val="accent1">
+              <a:shade val="50000"/>
+            </a:schemeClr>
+          </a:lnRef>
+          <a:fillRef idx="1">
+            <a:schemeClr val="accent1"/>
+          </a:fillRef>
+          <a:effectRef idx="0">
+            <a:schemeClr val="accent1"/>
+          </a:effectRef>
+          <a:fontRef idx="minor">
+            <a:schemeClr val="lt1"/>
+          </a:fontRef>
+        </p:style>
+        <p:txBody>
+          <a:bodyPr rtlCol="0" anchor="ctr"/>
+          <a:lstStyle/>
+          <a:p>
+            <a:pPr algn="ctr"/>
+            <a:r>
+              <a:rPr lang="en-US" sz="1400" dirty="0">
+                <a:solidFill>
+                  <a:schemeClr val="tx1"/>
+                </a:solidFill>
+              </a:rPr>
+              <a:t>3) Jadwal</a:t>
+            </a:r>
+          </a:p>
+        </p:txBody>
+      </p:sp>
+      <p:sp>
+        <p:nvSpPr>
+          <p:cNvPr id="11" name="Rectangle 10">
+            <a:extLst>
+              <a:ext uri="{FF2B5EF4-FFF2-40B4-BE49-F238E27FC236}">
+                <a16:creationId xmlns:a16="http://schemas.microsoft.com/office/drawing/2014/main" id="{859E914D-F1E9-43B9-B21E-C5D6A6D8C5BC}"/>
+              </a:ext>
+            </a:extLst>
+          </p:cNvPr>
+          <p:cNvSpPr/>
+          <p:nvPr/>
+        </p:nvSpPr>
+        <p:spPr>
+          <a:xfrm>
+            <a:off x="3076880" y="507734"/>
+            <a:ext cx="1763028" cy="2367814"/>
+          </a:xfrm>
+          <a:prstGeom prst="rect">
+            <a:avLst/>
+          </a:prstGeom>
+          <a:solidFill>
+            <a:schemeClr val="bg1"/>
+          </a:solidFill>
+          <a:ln w="76200">
+            <a:solidFill>
+              <a:srgbClr val="A4F0E2"/>
+            </a:solidFill>
+          </a:ln>
+        </p:spPr>
+        <p:style>
+          <a:lnRef idx="2">
+            <a:schemeClr val="accent1">
+              <a:shade val="50000"/>
+            </a:schemeClr>
+          </a:lnRef>
+          <a:fillRef idx="1">
+            <a:schemeClr val="accent1"/>
+          </a:fillRef>
+          <a:effectRef idx="0">
+            <a:schemeClr val="accent1"/>
+          </a:effectRef>
+          <a:fontRef idx="minor">
+            <a:schemeClr val="lt1"/>
+          </a:fontRef>
+        </p:style>
+        <p:txBody>
+          <a:bodyPr rtlCol="0" anchor="ctr"/>
+          <a:lstStyle/>
+          <a:p>
+            <a:pPr algn="ctr"/>
+            <a:endParaRPr lang="en-US" dirty="0"/>
+          </a:p>
+        </p:txBody>
+      </p:sp>
+      <p:sp>
+        <p:nvSpPr>
+          <p:cNvPr id="12" name="Rectangle 11">
+            <a:extLst>
+              <a:ext uri="{FF2B5EF4-FFF2-40B4-BE49-F238E27FC236}">
+                <a16:creationId xmlns:a16="http://schemas.microsoft.com/office/drawing/2014/main" id="{F39AAE79-E0C4-4A4A-B0B6-E7EA68C0A712}"/>
+              </a:ext>
+            </a:extLst>
+          </p:cNvPr>
+          <p:cNvSpPr/>
+          <p:nvPr/>
+        </p:nvSpPr>
+        <p:spPr>
+          <a:xfrm>
+            <a:off x="5228931" y="511745"/>
+            <a:ext cx="1763028" cy="2367814"/>
+          </a:xfrm>
+          <a:prstGeom prst="rect">
+            <a:avLst/>
+          </a:prstGeom>
+          <a:solidFill>
+            <a:schemeClr val="bg1"/>
+          </a:solidFill>
+          <a:ln w="76200">
+            <a:solidFill>
+              <a:srgbClr val="A4F0E2"/>
+            </a:solidFill>
+          </a:ln>
+        </p:spPr>
+        <p:style>
+          <a:lnRef idx="2">
+            <a:schemeClr val="accent1">
+              <a:shade val="50000"/>
+            </a:schemeClr>
+          </a:lnRef>
+          <a:fillRef idx="1">
+            <a:schemeClr val="accent1"/>
+          </a:fillRef>
+          <a:effectRef idx="0">
+            <a:schemeClr val="accent1"/>
+          </a:effectRef>
+          <a:fontRef idx="minor">
+            <a:schemeClr val="lt1"/>
+          </a:fontRef>
+        </p:style>
+        <p:txBody>
+          <a:bodyPr rtlCol="0" anchor="ctr"/>
+          <a:lstStyle/>
+          <a:p>
+            <a:pPr algn="ctr"/>
+            <a:endParaRPr lang="en-US" dirty="0"/>
+          </a:p>
+        </p:txBody>
+      </p:sp>
+      <p:sp>
+        <p:nvSpPr>
+          <p:cNvPr id="13" name="Rectangle 12">
+            <a:extLst>
+              <a:ext uri="{FF2B5EF4-FFF2-40B4-BE49-F238E27FC236}">
+                <a16:creationId xmlns:a16="http://schemas.microsoft.com/office/drawing/2014/main" id="{1C36870C-DCC5-4314-8A7D-231674731984}"/>
+              </a:ext>
+            </a:extLst>
+          </p:cNvPr>
+          <p:cNvSpPr/>
+          <p:nvPr/>
+        </p:nvSpPr>
+        <p:spPr>
+          <a:xfrm>
+            <a:off x="3241312" y="827372"/>
+            <a:ext cx="1434163" cy="202130"/>
+          </a:xfrm>
+          <a:prstGeom prst="rect">
+            <a:avLst/>
+          </a:prstGeom>
+          <a:solidFill>
+            <a:srgbClr val="C6F6ED"/>
+          </a:solidFill>
+          <a:ln>
+            <a:solidFill>
+              <a:srgbClr val="A4F0E2"/>
+            </a:solidFill>
+          </a:ln>
+        </p:spPr>
+        <p:style>
+          <a:lnRef idx="2">
+            <a:schemeClr val="accent1">
+              <a:shade val="50000"/>
+            </a:schemeClr>
+          </a:lnRef>
+          <a:fillRef idx="1">
+            <a:schemeClr val="accent1"/>
+          </a:fillRef>
+          <a:effectRef idx="0">
+            <a:schemeClr val="accent1"/>
+          </a:effectRef>
+          <a:fontRef idx="minor">
+            <a:schemeClr val="lt1"/>
+          </a:fontRef>
+        </p:style>
+        <p:txBody>
+          <a:bodyPr rtlCol="0" anchor="ctr"/>
+          <a:lstStyle/>
+          <a:p>
+            <a:pPr algn="ctr"/>
+            <a:r>
+              <a:rPr lang="en-US" sz="1100" dirty="0">
+                <a:solidFill>
+                  <a:schemeClr val="tx1"/>
+                </a:solidFill>
+              </a:rPr>
+              <a:t>a)</a:t>
+            </a:r>
+            <a:r>
+              <a:rPr lang="en-US" sz="1400" dirty="0">
+                <a:solidFill>
+                  <a:schemeClr val="tx1"/>
+                </a:solidFill>
+              </a:rPr>
+              <a:t> </a:t>
+            </a:r>
+            <a:r>
+              <a:rPr lang="en-US" sz="1200" dirty="0">
+                <a:solidFill>
+                  <a:schemeClr val="tx1"/>
+                </a:solidFill>
+              </a:rPr>
+              <a:t>Riwayat Janji</a:t>
+            </a:r>
+            <a:endParaRPr lang="en-US" sz="1400" dirty="0">
+              <a:solidFill>
+                <a:schemeClr val="tx1"/>
+              </a:solidFill>
+            </a:endParaRPr>
+          </a:p>
+        </p:txBody>
+      </p:sp>
+      <p:sp>
+        <p:nvSpPr>
+          <p:cNvPr id="14" name="Rectangle 13">
+            <a:extLst>
+              <a:ext uri="{FF2B5EF4-FFF2-40B4-BE49-F238E27FC236}">
+                <a16:creationId xmlns:a16="http://schemas.microsoft.com/office/drawing/2014/main" id="{B2A83090-C142-4A14-833F-B87BFF5786DF}"/>
+              </a:ext>
+            </a:extLst>
+          </p:cNvPr>
+          <p:cNvSpPr/>
+          <p:nvPr/>
+        </p:nvSpPr>
+        <p:spPr>
+          <a:xfrm>
+            <a:off x="5393363" y="759997"/>
+            <a:ext cx="1434164" cy="202130"/>
+          </a:xfrm>
+          <a:prstGeom prst="rect">
+            <a:avLst/>
+          </a:prstGeom>
+          <a:solidFill>
+            <a:srgbClr val="C6F6ED"/>
+          </a:solidFill>
+          <a:ln>
+            <a:solidFill>
+              <a:srgbClr val="A4F0E2"/>
+            </a:solidFill>
+          </a:ln>
+        </p:spPr>
+        <p:style>
+          <a:lnRef idx="2">
+            <a:schemeClr val="accent1">
+              <a:shade val="50000"/>
+            </a:schemeClr>
+          </a:lnRef>
+          <a:fillRef idx="1">
+            <a:schemeClr val="accent1"/>
+          </a:fillRef>
+          <a:effectRef idx="0">
+            <a:schemeClr val="accent1"/>
+          </a:effectRef>
+          <a:fontRef idx="minor">
+            <a:schemeClr val="lt1"/>
+          </a:fontRef>
+        </p:style>
+        <p:txBody>
+          <a:bodyPr rtlCol="0" anchor="ctr"/>
+          <a:lstStyle/>
+          <a:p>
+            <a:pPr algn="ctr"/>
+            <a:r>
+              <a:rPr lang="en-US" sz="1100" dirty="0">
+                <a:solidFill>
+                  <a:schemeClr val="tx1"/>
+                </a:solidFill>
+              </a:rPr>
+              <a:t>b)</a:t>
+            </a:r>
+            <a:r>
+              <a:rPr lang="en-US" sz="1200" dirty="0">
+                <a:solidFill>
+                  <a:schemeClr val="tx1"/>
+                </a:solidFill>
+              </a:rPr>
+              <a:t> Registrasi Pasien</a:t>
+            </a:r>
+          </a:p>
+        </p:txBody>
+      </p:sp>
+      <p:sp>
+        <p:nvSpPr>
+          <p:cNvPr id="15" name="Rectangle 14">
+            <a:extLst>
+              <a:ext uri="{FF2B5EF4-FFF2-40B4-BE49-F238E27FC236}">
+                <a16:creationId xmlns:a16="http://schemas.microsoft.com/office/drawing/2014/main" id="{807F6D44-D016-47B2-9275-DFCE2027D7C5}"/>
+              </a:ext>
+            </a:extLst>
+          </p:cNvPr>
+          <p:cNvSpPr/>
+          <p:nvPr/>
+        </p:nvSpPr>
+        <p:spPr>
+          <a:xfrm>
+            <a:off x="3241312" y="1222406"/>
+            <a:ext cx="1434163" cy="165234"/>
+          </a:xfrm>
+          <a:prstGeom prst="rect">
+            <a:avLst/>
+          </a:prstGeom>
+          <a:solidFill>
+            <a:srgbClr val="DFF9F4"/>
+          </a:solidFill>
+          <a:ln>
+            <a:solidFill>
+              <a:srgbClr val="A4F0E2"/>
+            </a:solidFill>
+          </a:ln>
+        </p:spPr>
+        <p:style>
+          <a:lnRef idx="2">
+            <a:schemeClr val="accent1">
+              <a:shade val="50000"/>
+            </a:schemeClr>
+          </a:lnRef>
+          <a:fillRef idx="1">
+            <a:schemeClr val="accent1"/>
+          </a:fillRef>
+          <a:effectRef idx="0">
+            <a:schemeClr val="accent1"/>
+          </a:effectRef>
+          <a:fontRef idx="minor">
+            <a:schemeClr val="lt1"/>
+          </a:fontRef>
+        </p:style>
+        <p:txBody>
+          <a:bodyPr rtlCol="0" anchor="ctr"/>
+          <a:lstStyle/>
+          <a:p>
+            <a:r>
+              <a:rPr lang="en-US" sz="1200" dirty="0" err="1">
+                <a:solidFill>
+                  <a:schemeClr val="tx1"/>
+                </a:solidFill>
+              </a:rPr>
+              <a:t>Hari,tanggal</a:t>
+            </a:r>
+            <a:endParaRPr lang="en-US" sz="1200" dirty="0">
+              <a:solidFill>
+                <a:schemeClr val="tx1"/>
+              </a:solidFill>
+            </a:endParaRPr>
+          </a:p>
+        </p:txBody>
+      </p:sp>
+      <p:sp>
+        <p:nvSpPr>
+          <p:cNvPr id="16" name="Rectangle 15">
+            <a:extLst>
+              <a:ext uri="{FF2B5EF4-FFF2-40B4-BE49-F238E27FC236}">
+                <a16:creationId xmlns:a16="http://schemas.microsoft.com/office/drawing/2014/main" id="{9A5162D2-CC6E-4FF7-9A39-F533CF9E1526}"/>
+              </a:ext>
+            </a:extLst>
+          </p:cNvPr>
+          <p:cNvSpPr/>
+          <p:nvPr/>
+        </p:nvSpPr>
+        <p:spPr>
+          <a:xfrm>
+            <a:off x="3241312" y="1413306"/>
+            <a:ext cx="1434163" cy="165234"/>
+          </a:xfrm>
+          <a:prstGeom prst="rect">
+            <a:avLst/>
+          </a:prstGeom>
+          <a:solidFill>
+            <a:srgbClr val="DFF9F4"/>
+          </a:solidFill>
+          <a:ln>
+            <a:solidFill>
+              <a:srgbClr val="A4F0E2"/>
+            </a:solidFill>
+          </a:ln>
+        </p:spPr>
+        <p:style>
+          <a:lnRef idx="2">
+            <a:schemeClr val="accent1">
+              <a:shade val="50000"/>
+            </a:schemeClr>
+          </a:lnRef>
+          <a:fillRef idx="1">
+            <a:schemeClr val="accent1"/>
+          </a:fillRef>
+          <a:effectRef idx="0">
+            <a:schemeClr val="accent1"/>
+          </a:effectRef>
+          <a:fontRef idx="minor">
+            <a:schemeClr val="lt1"/>
+          </a:fontRef>
+        </p:style>
+        <p:txBody>
+          <a:bodyPr rtlCol="0" anchor="ctr"/>
+          <a:lstStyle/>
+          <a:p>
+            <a:r>
+              <a:rPr lang="en-US" sz="1200" dirty="0">
+                <a:solidFill>
+                  <a:schemeClr val="tx1"/>
+                </a:solidFill>
+              </a:rPr>
+              <a:t>Jam, </a:t>
+            </a:r>
+            <a:r>
+              <a:rPr lang="en-US" sz="1200" dirty="0" err="1">
+                <a:solidFill>
+                  <a:schemeClr val="tx1"/>
+                </a:solidFill>
+              </a:rPr>
+              <a:t>aktifitas</a:t>
+            </a:r>
+            <a:endParaRPr lang="en-US" sz="1200" dirty="0">
+              <a:solidFill>
+                <a:schemeClr val="tx1"/>
+              </a:solidFill>
+            </a:endParaRPr>
+          </a:p>
+        </p:txBody>
+      </p:sp>
+      <p:sp>
+        <p:nvSpPr>
+          <p:cNvPr id="20" name="Rectangle 19">
+            <a:extLst>
+              <a:ext uri="{FF2B5EF4-FFF2-40B4-BE49-F238E27FC236}">
+                <a16:creationId xmlns:a16="http://schemas.microsoft.com/office/drawing/2014/main" id="{FC7F6679-5A73-4227-8763-48AC92AA663D}"/>
+              </a:ext>
+            </a:extLst>
+          </p:cNvPr>
+          <p:cNvSpPr/>
+          <p:nvPr/>
+        </p:nvSpPr>
+        <p:spPr>
+          <a:xfrm>
+            <a:off x="5823289" y="1151023"/>
+            <a:ext cx="540000" cy="540000"/>
+          </a:xfrm>
+          <a:prstGeom prst="rect">
+            <a:avLst/>
+          </a:prstGeom>
+          <a:noFill/>
+          <a:ln w="3175"/>
+        </p:spPr>
+        <p:style>
+          <a:lnRef idx="2">
+            <a:schemeClr val="accent1">
+              <a:shade val="50000"/>
+            </a:schemeClr>
+          </a:lnRef>
+          <a:fillRef idx="1">
+            <a:schemeClr val="accent1"/>
+          </a:fillRef>
+          <a:effectRef idx="0">
+            <a:schemeClr val="accent1"/>
+          </a:effectRef>
+          <a:fontRef idx="minor">
+            <a:schemeClr val="lt1"/>
+          </a:fontRef>
+        </p:style>
+        <p:txBody>
+          <a:bodyPr rtlCol="0" anchor="ctr"/>
+          <a:lstStyle/>
+          <a:p>
+            <a:pPr algn="ctr"/>
+            <a:endParaRPr lang="en-US" dirty="0"/>
+          </a:p>
+        </p:txBody>
+      </p:sp>
+      <p:sp>
+        <p:nvSpPr>
+          <p:cNvPr id="21" name="Rectangle 20">
+            <a:extLst>
+              <a:ext uri="{FF2B5EF4-FFF2-40B4-BE49-F238E27FC236}">
+                <a16:creationId xmlns:a16="http://schemas.microsoft.com/office/drawing/2014/main" id="{AE8C80BE-FA7C-4A9A-AA02-8D572E27762F}"/>
+              </a:ext>
+            </a:extLst>
+          </p:cNvPr>
+          <p:cNvSpPr/>
+          <p:nvPr/>
+        </p:nvSpPr>
+        <p:spPr>
+          <a:xfrm>
+            <a:off x="5592283" y="1239254"/>
+            <a:ext cx="981776" cy="368165"/>
+          </a:xfrm>
+          <a:prstGeom prst="rect">
+            <a:avLst/>
+          </a:prstGeom>
+          <a:solidFill>
+            <a:schemeClr val="bg1"/>
+          </a:solidFill>
+          <a:ln>
+            <a:solidFill>
+              <a:schemeClr val="bg1"/>
+            </a:solidFill>
+          </a:ln>
+        </p:spPr>
+        <p:style>
+          <a:lnRef idx="2">
+            <a:schemeClr val="accent1">
+              <a:shade val="50000"/>
+            </a:schemeClr>
+          </a:lnRef>
+          <a:fillRef idx="1">
+            <a:schemeClr val="accent1"/>
+          </a:fillRef>
+          <a:effectRef idx="0">
+            <a:schemeClr val="accent1"/>
+          </a:effectRef>
+          <a:fontRef idx="minor">
+            <a:schemeClr val="lt1"/>
+          </a:fontRef>
+        </p:style>
+        <p:txBody>
+          <a:bodyPr rtlCol="0" anchor="ctr"/>
+          <a:lstStyle/>
+          <a:p>
+            <a:pPr algn="ctr"/>
+            <a:endParaRPr lang="en-US"/>
+          </a:p>
+        </p:txBody>
+      </p:sp>
+      <p:sp>
+        <p:nvSpPr>
+          <p:cNvPr id="22" name="Rectangle 21">
+            <a:extLst>
+              <a:ext uri="{FF2B5EF4-FFF2-40B4-BE49-F238E27FC236}">
+                <a16:creationId xmlns:a16="http://schemas.microsoft.com/office/drawing/2014/main" id="{874C2173-357F-4B12-AE5A-8B33683643CA}"/>
+              </a:ext>
+            </a:extLst>
+          </p:cNvPr>
+          <p:cNvSpPr/>
+          <p:nvPr/>
+        </p:nvSpPr>
+        <p:spPr>
+          <a:xfrm rot="5400000">
+            <a:off x="5598300" y="1336310"/>
+            <a:ext cx="981776" cy="334476"/>
+          </a:xfrm>
+          <a:prstGeom prst="rect">
+            <a:avLst/>
+          </a:prstGeom>
+          <a:solidFill>
+            <a:schemeClr val="bg1"/>
+          </a:solidFill>
+          <a:ln>
+            <a:solidFill>
+              <a:schemeClr val="bg1"/>
+            </a:solidFill>
+          </a:ln>
+        </p:spPr>
+        <p:style>
+          <a:lnRef idx="2">
+            <a:schemeClr val="accent1">
+              <a:shade val="50000"/>
+            </a:schemeClr>
+          </a:lnRef>
+          <a:fillRef idx="1">
+            <a:schemeClr val="accent1"/>
+          </a:fillRef>
+          <a:effectRef idx="0">
+            <a:schemeClr val="accent1"/>
+          </a:effectRef>
+          <a:fontRef idx="minor">
+            <a:schemeClr val="lt1"/>
+          </a:fontRef>
+        </p:style>
+        <p:txBody>
+          <a:bodyPr rtlCol="0" anchor="ctr"/>
+          <a:lstStyle/>
+          <a:p>
+            <a:pPr algn="ctr"/>
+            <a:endParaRPr lang="en-US"/>
+          </a:p>
+        </p:txBody>
+      </p:sp>
+      <p:sp>
+        <p:nvSpPr>
+          <p:cNvPr id="23" name="Rectangle 22">
+            <a:extLst>
+              <a:ext uri="{FF2B5EF4-FFF2-40B4-BE49-F238E27FC236}">
+                <a16:creationId xmlns:a16="http://schemas.microsoft.com/office/drawing/2014/main" id="{2265C5D6-1D38-49B0-8F2F-BD7EDDB57986}"/>
+              </a:ext>
+            </a:extLst>
+          </p:cNvPr>
+          <p:cNvSpPr/>
+          <p:nvPr/>
+        </p:nvSpPr>
+        <p:spPr>
+          <a:xfrm>
+            <a:off x="5902700" y="1233640"/>
+            <a:ext cx="360000" cy="360000"/>
+          </a:xfrm>
+          <a:prstGeom prst="rect">
+            <a:avLst/>
+          </a:prstGeom>
+          <a:solidFill>
+            <a:schemeClr val="bg1">
+              <a:lumMod val="85000"/>
+            </a:schemeClr>
+          </a:solidFill>
+          <a:ln>
+            <a:solidFill>
+              <a:schemeClr val="bg1">
+                <a:lumMod val="85000"/>
+              </a:schemeClr>
+            </a:solidFill>
+          </a:ln>
+        </p:spPr>
+        <p:style>
+          <a:lnRef idx="2">
+            <a:schemeClr val="accent1">
+              <a:shade val="50000"/>
+            </a:schemeClr>
+          </a:lnRef>
+          <a:fillRef idx="1">
+            <a:schemeClr val="accent1"/>
+          </a:fillRef>
+          <a:effectRef idx="0">
+            <a:schemeClr val="accent1"/>
+          </a:effectRef>
+          <a:fontRef idx="minor">
+            <a:schemeClr val="lt1"/>
+          </a:fontRef>
+        </p:style>
+        <p:txBody>
+          <a:bodyPr rtlCol="0" anchor="ctr"/>
+          <a:lstStyle/>
+          <a:p>
+            <a:pPr algn="ctr"/>
+            <a:endParaRPr lang="en-US"/>
+          </a:p>
+        </p:txBody>
+      </p:sp>
+      <p:sp>
+        <p:nvSpPr>
+          <p:cNvPr id="25" name="Rectangle 24">
+            <a:extLst>
+              <a:ext uri="{FF2B5EF4-FFF2-40B4-BE49-F238E27FC236}">
+                <a16:creationId xmlns:a16="http://schemas.microsoft.com/office/drawing/2014/main" id="{9602C119-4702-4F75-9236-FE01E8A732F8}"/>
+              </a:ext>
+            </a:extLst>
+          </p:cNvPr>
+          <p:cNvSpPr/>
+          <p:nvPr/>
+        </p:nvSpPr>
+        <p:spPr>
+          <a:xfrm>
+            <a:off x="7445956" y="511745"/>
+            <a:ext cx="1763028" cy="2367814"/>
+          </a:xfrm>
+          <a:prstGeom prst="rect">
+            <a:avLst/>
+          </a:prstGeom>
+          <a:solidFill>
+            <a:schemeClr val="bg1"/>
+          </a:solidFill>
+          <a:ln w="76200">
+            <a:solidFill>
+              <a:srgbClr val="A4F0E2"/>
+            </a:solidFill>
+          </a:ln>
+        </p:spPr>
+        <p:style>
+          <a:lnRef idx="2">
+            <a:schemeClr val="accent1">
+              <a:shade val="50000"/>
+            </a:schemeClr>
+          </a:lnRef>
+          <a:fillRef idx="1">
+            <a:schemeClr val="accent1"/>
+          </a:fillRef>
+          <a:effectRef idx="0">
+            <a:schemeClr val="accent1"/>
+          </a:effectRef>
+          <a:fontRef idx="minor">
+            <a:schemeClr val="lt1"/>
+          </a:fontRef>
+        </p:style>
+        <p:txBody>
+          <a:bodyPr rtlCol="0" anchor="ctr"/>
+          <a:lstStyle/>
+          <a:p>
+            <a:pPr algn="ctr"/>
+            <a:endParaRPr lang="en-US" dirty="0"/>
+          </a:p>
+        </p:txBody>
+      </p:sp>
+      <p:sp>
+        <p:nvSpPr>
+          <p:cNvPr id="26" name="TextBox 25">
+            <a:extLst>
+              <a:ext uri="{FF2B5EF4-FFF2-40B4-BE49-F238E27FC236}">
+                <a16:creationId xmlns:a16="http://schemas.microsoft.com/office/drawing/2014/main" id="{BE813184-D38B-43C3-9446-AF64B43237B3}"/>
+              </a:ext>
+            </a:extLst>
+          </p:cNvPr>
+          <p:cNvSpPr txBox="1"/>
+          <p:nvPr/>
+        </p:nvSpPr>
+        <p:spPr>
+          <a:xfrm>
+            <a:off x="7044197" y="1305462"/>
+            <a:ext cx="377604" cy="369332"/>
+          </a:xfrm>
+          <a:prstGeom prst="rect">
+            <a:avLst/>
+          </a:prstGeom>
+          <a:noFill/>
+        </p:spPr>
+        <p:txBody>
+          <a:bodyPr wrap="none" rtlCol="0">
+            <a:spAutoFit/>
+          </a:bodyPr>
+          <a:lstStyle/>
+          <a:p>
+            <a:r>
+              <a:rPr lang="en-US" dirty="0"/>
+              <a:t>vs</a:t>
+            </a:r>
+          </a:p>
+        </p:txBody>
+      </p:sp>
+      <p:sp>
+        <p:nvSpPr>
+          <p:cNvPr id="27" name="Rectangle 26">
+            <a:extLst>
+              <a:ext uri="{FF2B5EF4-FFF2-40B4-BE49-F238E27FC236}">
+                <a16:creationId xmlns:a16="http://schemas.microsoft.com/office/drawing/2014/main" id="{FBB19CB6-7265-464E-82D1-62F87AADDBEC}"/>
+              </a:ext>
+            </a:extLst>
+          </p:cNvPr>
+          <p:cNvSpPr/>
+          <p:nvPr/>
+        </p:nvSpPr>
+        <p:spPr>
+          <a:xfrm>
+            <a:off x="7610388" y="653718"/>
+            <a:ext cx="1434163" cy="497305"/>
+          </a:xfrm>
+          <a:prstGeom prst="rect">
+            <a:avLst/>
+          </a:prstGeom>
+          <a:solidFill>
+            <a:srgbClr val="A4F0E2"/>
+          </a:solidFill>
+          <a:ln>
+            <a:solidFill>
+              <a:srgbClr val="A4F0E2"/>
+            </a:solidFill>
+          </a:ln>
+        </p:spPr>
+        <p:style>
+          <a:lnRef idx="2">
+            <a:schemeClr val="accent1">
+              <a:shade val="50000"/>
+            </a:schemeClr>
+          </a:lnRef>
+          <a:fillRef idx="1">
+            <a:schemeClr val="accent1"/>
+          </a:fillRef>
+          <a:effectRef idx="0">
+            <a:schemeClr val="accent1"/>
+          </a:effectRef>
+          <a:fontRef idx="minor">
+            <a:schemeClr val="lt1"/>
+          </a:fontRef>
+        </p:style>
+        <p:txBody>
+          <a:bodyPr rtlCol="0" anchor="ctr"/>
+          <a:lstStyle/>
+          <a:p>
+            <a:pPr algn="ctr"/>
+            <a:r>
+              <a:rPr lang="en-US" sz="1400" dirty="0">
+                <a:solidFill>
+                  <a:schemeClr val="tx1"/>
+                </a:solidFill>
+              </a:rPr>
+              <a:t>0 Home</a:t>
+            </a:r>
+          </a:p>
+        </p:txBody>
+      </p:sp>
+      <p:sp>
+        <p:nvSpPr>
+          <p:cNvPr id="28" name="Rectangle 27">
+            <a:extLst>
+              <a:ext uri="{FF2B5EF4-FFF2-40B4-BE49-F238E27FC236}">
+                <a16:creationId xmlns:a16="http://schemas.microsoft.com/office/drawing/2014/main" id="{802924EE-F870-4CBC-B962-98867E9C2B0B}"/>
+              </a:ext>
+            </a:extLst>
+          </p:cNvPr>
+          <p:cNvSpPr/>
+          <p:nvPr/>
+        </p:nvSpPr>
+        <p:spPr>
+          <a:xfrm>
+            <a:off x="7880473" y="2235070"/>
+            <a:ext cx="471638" cy="414688"/>
+          </a:xfrm>
+          <a:prstGeom prst="rect">
+            <a:avLst/>
+          </a:prstGeom>
+          <a:solidFill>
+            <a:srgbClr val="D1FBF3"/>
+          </a:solidFill>
+          <a:ln>
+            <a:solidFill>
+              <a:srgbClr val="A4F0E2"/>
+            </a:solidFill>
+          </a:ln>
+        </p:spPr>
+        <p:style>
+          <a:lnRef idx="2">
+            <a:schemeClr val="accent1">
+              <a:shade val="50000"/>
+            </a:schemeClr>
+          </a:lnRef>
+          <a:fillRef idx="1">
+            <a:schemeClr val="accent1"/>
+          </a:fillRef>
+          <a:effectRef idx="0">
+            <a:schemeClr val="accent1"/>
+          </a:effectRef>
+          <a:fontRef idx="minor">
+            <a:schemeClr val="lt1"/>
+          </a:fontRef>
+        </p:style>
+        <p:txBody>
+          <a:bodyPr rtlCol="0" anchor="ctr"/>
+          <a:lstStyle/>
+          <a:p>
+            <a:pPr algn="ctr"/>
+            <a:r>
+              <a:rPr lang="en-US" sz="1400" dirty="0">
+                <a:solidFill>
+                  <a:schemeClr val="tx1"/>
+                </a:solidFill>
+              </a:rPr>
+              <a:t>3)</a:t>
+            </a:r>
+          </a:p>
+        </p:txBody>
+      </p:sp>
+      <p:sp>
+        <p:nvSpPr>
+          <p:cNvPr id="29" name="Rectangle 28">
+            <a:extLst>
+              <a:ext uri="{FF2B5EF4-FFF2-40B4-BE49-F238E27FC236}">
+                <a16:creationId xmlns:a16="http://schemas.microsoft.com/office/drawing/2014/main" id="{DE9BEC1E-8D0E-4206-8926-B00289386518}"/>
+              </a:ext>
+            </a:extLst>
+          </p:cNvPr>
+          <p:cNvSpPr/>
+          <p:nvPr/>
+        </p:nvSpPr>
+        <p:spPr>
+          <a:xfrm>
+            <a:off x="7875081" y="1761424"/>
+            <a:ext cx="471638" cy="414688"/>
+          </a:xfrm>
+          <a:prstGeom prst="rect">
+            <a:avLst/>
+          </a:prstGeom>
+          <a:solidFill>
+            <a:srgbClr val="D1FBF3"/>
+          </a:solidFill>
+          <a:ln>
+            <a:solidFill>
+              <a:srgbClr val="A4F0E2"/>
+            </a:solidFill>
+          </a:ln>
+        </p:spPr>
+        <p:style>
+          <a:lnRef idx="2">
+            <a:schemeClr val="accent1">
+              <a:shade val="50000"/>
+            </a:schemeClr>
+          </a:lnRef>
+          <a:fillRef idx="1">
+            <a:schemeClr val="accent1"/>
+          </a:fillRef>
+          <a:effectRef idx="0">
+            <a:schemeClr val="accent1"/>
+          </a:effectRef>
+          <a:fontRef idx="minor">
+            <a:schemeClr val="lt1"/>
+          </a:fontRef>
+        </p:style>
+        <p:txBody>
+          <a:bodyPr rtlCol="0" anchor="ctr"/>
+          <a:lstStyle/>
+          <a:p>
+            <a:pPr algn="ctr"/>
+            <a:r>
+              <a:rPr lang="en-US" sz="1400" dirty="0">
+                <a:solidFill>
+                  <a:schemeClr val="tx1"/>
+                </a:solidFill>
+              </a:rPr>
+              <a:t>1)</a:t>
+            </a:r>
+          </a:p>
+        </p:txBody>
+      </p:sp>
+      <p:sp>
+        <p:nvSpPr>
+          <p:cNvPr id="30" name="Rectangle 29">
+            <a:extLst>
+              <a:ext uri="{FF2B5EF4-FFF2-40B4-BE49-F238E27FC236}">
+                <a16:creationId xmlns:a16="http://schemas.microsoft.com/office/drawing/2014/main" id="{4408C2E2-5845-4FCF-8AF2-4D92530BED98}"/>
+              </a:ext>
+            </a:extLst>
+          </p:cNvPr>
+          <p:cNvSpPr/>
+          <p:nvPr/>
+        </p:nvSpPr>
+        <p:spPr>
+          <a:xfrm>
+            <a:off x="8402291" y="1757859"/>
+            <a:ext cx="471638" cy="414688"/>
+          </a:xfrm>
+          <a:prstGeom prst="rect">
+            <a:avLst/>
+          </a:prstGeom>
+          <a:solidFill>
+            <a:srgbClr val="D1FBF3"/>
+          </a:solidFill>
+          <a:ln>
+            <a:solidFill>
+              <a:srgbClr val="A4F0E2"/>
+            </a:solidFill>
+          </a:ln>
+        </p:spPr>
+        <p:style>
+          <a:lnRef idx="2">
+            <a:schemeClr val="accent1">
+              <a:shade val="50000"/>
+            </a:schemeClr>
+          </a:lnRef>
+          <a:fillRef idx="1">
+            <a:schemeClr val="accent1"/>
+          </a:fillRef>
+          <a:effectRef idx="0">
+            <a:schemeClr val="accent1"/>
+          </a:effectRef>
+          <a:fontRef idx="minor">
+            <a:schemeClr val="lt1"/>
+          </a:fontRef>
+        </p:style>
+        <p:txBody>
+          <a:bodyPr rtlCol="0" anchor="ctr"/>
+          <a:lstStyle/>
+          <a:p>
+            <a:pPr algn="ctr"/>
+            <a:r>
+              <a:rPr lang="en-US" sz="1400" dirty="0">
+                <a:solidFill>
+                  <a:schemeClr val="tx1"/>
+                </a:solidFill>
+              </a:rPr>
+              <a:t>2)</a:t>
+            </a:r>
+          </a:p>
+        </p:txBody>
+      </p:sp>
+      <p:sp>
+        <p:nvSpPr>
+          <p:cNvPr id="31" name="Rectangle 30">
+            <a:extLst>
+              <a:ext uri="{FF2B5EF4-FFF2-40B4-BE49-F238E27FC236}">
+                <a16:creationId xmlns:a16="http://schemas.microsoft.com/office/drawing/2014/main" id="{144C8EEB-E330-4F17-955B-9F4AAB3AE0DF}"/>
+              </a:ext>
+            </a:extLst>
+          </p:cNvPr>
+          <p:cNvSpPr/>
+          <p:nvPr/>
+        </p:nvSpPr>
+        <p:spPr>
+          <a:xfrm>
+            <a:off x="8403450" y="2234936"/>
+            <a:ext cx="471638" cy="414688"/>
+          </a:xfrm>
+          <a:prstGeom prst="rect">
+            <a:avLst/>
+          </a:prstGeom>
+          <a:solidFill>
+            <a:srgbClr val="D1FBF3"/>
+          </a:solidFill>
+          <a:ln>
+            <a:solidFill>
+              <a:srgbClr val="A4F0E2"/>
+            </a:solidFill>
+          </a:ln>
+        </p:spPr>
+        <p:style>
+          <a:lnRef idx="2">
+            <a:schemeClr val="accent1">
+              <a:shade val="50000"/>
+            </a:schemeClr>
+          </a:lnRef>
+          <a:fillRef idx="1">
+            <a:schemeClr val="accent1"/>
+          </a:fillRef>
+          <a:effectRef idx="0">
+            <a:schemeClr val="accent1"/>
+          </a:effectRef>
+          <a:fontRef idx="minor">
+            <a:schemeClr val="lt1"/>
+          </a:fontRef>
+        </p:style>
+        <p:txBody>
+          <a:bodyPr rtlCol="0" anchor="ctr"/>
+          <a:lstStyle/>
+          <a:p>
+            <a:pPr algn="ctr"/>
+            <a:r>
+              <a:rPr lang="en-US" sz="1400" dirty="0">
+                <a:solidFill>
+                  <a:schemeClr val="tx1"/>
+                </a:solidFill>
+              </a:rPr>
+              <a:t>4)</a:t>
+            </a:r>
+          </a:p>
+        </p:txBody>
+      </p:sp>
+      <p:sp>
+        <p:nvSpPr>
+          <p:cNvPr id="32" name="Rectangle 31">
+            <a:extLst>
+              <a:ext uri="{FF2B5EF4-FFF2-40B4-BE49-F238E27FC236}">
+                <a16:creationId xmlns:a16="http://schemas.microsoft.com/office/drawing/2014/main" id="{B07F40C2-A2D2-45F8-BF40-1AAFBF66FEF4}"/>
+              </a:ext>
+            </a:extLst>
+          </p:cNvPr>
+          <p:cNvSpPr/>
+          <p:nvPr/>
+        </p:nvSpPr>
+        <p:spPr>
+          <a:xfrm>
+            <a:off x="8127972" y="1221204"/>
+            <a:ext cx="471638" cy="414688"/>
+          </a:xfrm>
+          <a:prstGeom prst="rect">
+            <a:avLst/>
+          </a:prstGeom>
+          <a:gradFill flip="none" rotWithShape="1">
+            <a:gsLst>
+              <a:gs pos="0">
+                <a:srgbClr val="2FBB9D"/>
+              </a:gs>
+              <a:gs pos="50000">
+                <a:srgbClr val="64EED7"/>
+              </a:gs>
+              <a:gs pos="100000">
+                <a:srgbClr val="A4F0E2">
+                  <a:tint val="23500"/>
+                  <a:satMod val="160000"/>
+                </a:srgbClr>
+              </a:gs>
+            </a:gsLst>
+            <a:path path="circle">
+              <a:fillToRect l="50000" t="50000" r="50000" b="50000"/>
+            </a:path>
+            <a:tileRect/>
+          </a:gradFill>
+          <a:ln>
+            <a:noFill/>
+          </a:ln>
+        </p:spPr>
+        <p:style>
+          <a:lnRef idx="2">
+            <a:schemeClr val="accent1">
+              <a:shade val="50000"/>
+            </a:schemeClr>
+          </a:lnRef>
+          <a:fillRef idx="1">
+            <a:schemeClr val="accent1"/>
+          </a:fillRef>
+          <a:effectRef idx="0">
+            <a:schemeClr val="accent1"/>
+          </a:effectRef>
+          <a:fontRef idx="minor">
+            <a:schemeClr val="lt1"/>
+          </a:fontRef>
+        </p:style>
+        <p:txBody>
+          <a:bodyPr rtlCol="0" anchor="ctr"/>
+          <a:lstStyle/>
+          <a:p>
+            <a:pPr algn="ctr"/>
+            <a:r>
+              <a:rPr lang="en-US" sz="1200" dirty="0">
+                <a:solidFill>
+                  <a:schemeClr val="tx1"/>
+                </a:solidFill>
+              </a:rPr>
+              <a:t>Scan</a:t>
+            </a:r>
+          </a:p>
+        </p:txBody>
+      </p:sp>
+      <p:sp>
+        <p:nvSpPr>
+          <p:cNvPr id="36" name="Rectangle 35">
+            <a:extLst>
+              <a:ext uri="{FF2B5EF4-FFF2-40B4-BE49-F238E27FC236}">
+                <a16:creationId xmlns:a16="http://schemas.microsoft.com/office/drawing/2014/main" id="{F6489147-40D3-4F58-AF81-C1F57B57799D}"/>
+              </a:ext>
+            </a:extLst>
+          </p:cNvPr>
+          <p:cNvSpPr/>
+          <p:nvPr/>
+        </p:nvSpPr>
+        <p:spPr>
+          <a:xfrm>
+            <a:off x="5302950" y="3899841"/>
+            <a:ext cx="1763028" cy="2367814"/>
+          </a:xfrm>
+          <a:prstGeom prst="rect">
+            <a:avLst/>
+          </a:prstGeom>
+          <a:solidFill>
+            <a:schemeClr val="bg1"/>
+          </a:solidFill>
+          <a:ln w="76200">
+            <a:solidFill>
+              <a:srgbClr val="A4F0E2"/>
+            </a:solidFill>
+          </a:ln>
+        </p:spPr>
+        <p:style>
+          <a:lnRef idx="2">
+            <a:schemeClr val="accent1">
+              <a:shade val="50000"/>
+            </a:schemeClr>
+          </a:lnRef>
+          <a:fillRef idx="1">
+            <a:schemeClr val="accent1"/>
+          </a:fillRef>
+          <a:effectRef idx="0">
+            <a:schemeClr val="accent1"/>
+          </a:effectRef>
+          <a:fontRef idx="minor">
+            <a:schemeClr val="lt1"/>
+          </a:fontRef>
+        </p:style>
+        <p:txBody>
+          <a:bodyPr rtlCol="0" anchor="ctr"/>
+          <a:lstStyle/>
+          <a:p>
+            <a:pPr algn="ctr"/>
+            <a:endParaRPr lang="en-US" dirty="0"/>
+          </a:p>
+        </p:txBody>
+      </p:sp>
+      <p:sp>
+        <p:nvSpPr>
+          <p:cNvPr id="37" name="Rectangle 36">
+            <a:extLst>
+              <a:ext uri="{FF2B5EF4-FFF2-40B4-BE49-F238E27FC236}">
+                <a16:creationId xmlns:a16="http://schemas.microsoft.com/office/drawing/2014/main" id="{690AB703-73F6-4D34-876F-DCFB3BD9CF50}"/>
+              </a:ext>
+            </a:extLst>
+          </p:cNvPr>
+          <p:cNvSpPr/>
+          <p:nvPr/>
+        </p:nvSpPr>
+        <p:spPr>
+          <a:xfrm>
+            <a:off x="5468184" y="4854347"/>
+            <a:ext cx="1434163" cy="202130"/>
+          </a:xfrm>
+          <a:prstGeom prst="rect">
+            <a:avLst/>
+          </a:prstGeom>
+          <a:solidFill>
+            <a:srgbClr val="C6F6ED"/>
+          </a:solidFill>
+          <a:ln>
+            <a:solidFill>
+              <a:srgbClr val="A4F0E2"/>
+            </a:solidFill>
+          </a:ln>
+        </p:spPr>
+        <p:style>
+          <a:lnRef idx="2">
+            <a:schemeClr val="accent1">
+              <a:shade val="50000"/>
+            </a:schemeClr>
+          </a:lnRef>
+          <a:fillRef idx="1">
+            <a:schemeClr val="accent1"/>
+          </a:fillRef>
+          <a:effectRef idx="0">
+            <a:schemeClr val="accent1"/>
+          </a:effectRef>
+          <a:fontRef idx="minor">
+            <a:schemeClr val="lt1"/>
+          </a:fontRef>
+        </p:style>
+        <p:txBody>
+          <a:bodyPr rtlCol="0" anchor="ctr"/>
+          <a:lstStyle/>
+          <a:p>
+            <a:pPr algn="ctr"/>
+            <a:r>
+              <a:rPr lang="en-US" sz="1100" dirty="0">
+                <a:solidFill>
+                  <a:schemeClr val="tx1"/>
+                </a:solidFill>
+              </a:rPr>
+              <a:t>a)</a:t>
+            </a:r>
+            <a:r>
+              <a:rPr lang="en-US" sz="1200" dirty="0">
+                <a:solidFill>
+                  <a:schemeClr val="tx1"/>
+                </a:solidFill>
+              </a:rPr>
+              <a:t> Vaksinasi</a:t>
+            </a:r>
+          </a:p>
+        </p:txBody>
+      </p:sp>
+      <p:sp>
+        <p:nvSpPr>
+          <p:cNvPr id="38" name="Rectangle 37">
+            <a:extLst>
+              <a:ext uri="{FF2B5EF4-FFF2-40B4-BE49-F238E27FC236}">
+                <a16:creationId xmlns:a16="http://schemas.microsoft.com/office/drawing/2014/main" id="{10C0CB03-C6C6-4162-AF03-BA345129B036}"/>
+              </a:ext>
+            </a:extLst>
+          </p:cNvPr>
+          <p:cNvSpPr/>
+          <p:nvPr/>
+        </p:nvSpPr>
+        <p:spPr>
+          <a:xfrm>
+            <a:off x="5468185" y="5115833"/>
+            <a:ext cx="1434164" cy="202130"/>
+          </a:xfrm>
+          <a:prstGeom prst="rect">
+            <a:avLst/>
+          </a:prstGeom>
+          <a:solidFill>
+            <a:srgbClr val="C6F6ED"/>
+          </a:solidFill>
+          <a:ln>
+            <a:solidFill>
+              <a:srgbClr val="A4F0E2"/>
+            </a:solidFill>
+          </a:ln>
+        </p:spPr>
+        <p:style>
+          <a:lnRef idx="2">
+            <a:schemeClr val="accent1">
+              <a:shade val="50000"/>
+            </a:schemeClr>
+          </a:lnRef>
+          <a:fillRef idx="1">
+            <a:schemeClr val="accent1"/>
+          </a:fillRef>
+          <a:effectRef idx="0">
+            <a:schemeClr val="accent1"/>
+          </a:effectRef>
+          <a:fontRef idx="minor">
+            <a:schemeClr val="lt1"/>
+          </a:fontRef>
+        </p:style>
+        <p:txBody>
+          <a:bodyPr rtlCol="0" anchor="ctr"/>
+          <a:lstStyle/>
+          <a:p>
+            <a:pPr algn="ctr"/>
+            <a:r>
+              <a:rPr lang="en-US" sz="1100" dirty="0">
+                <a:solidFill>
+                  <a:schemeClr val="tx1"/>
+                </a:solidFill>
+              </a:rPr>
+              <a:t>b)</a:t>
+            </a:r>
+            <a:r>
+              <a:rPr lang="en-US" sz="1200" dirty="0">
+                <a:solidFill>
+                  <a:schemeClr val="tx1"/>
+                </a:solidFill>
+              </a:rPr>
+              <a:t> Pemeriksaan</a:t>
+            </a:r>
+          </a:p>
+        </p:txBody>
+      </p:sp>
+      <p:sp>
+        <p:nvSpPr>
+          <p:cNvPr id="39" name="Rectangle 38">
+            <a:extLst>
+              <a:ext uri="{FF2B5EF4-FFF2-40B4-BE49-F238E27FC236}">
+                <a16:creationId xmlns:a16="http://schemas.microsoft.com/office/drawing/2014/main" id="{AD07BED3-3CFD-422B-86FB-13F25DD42E2B}"/>
+              </a:ext>
+            </a:extLst>
+          </p:cNvPr>
+          <p:cNvSpPr/>
+          <p:nvPr/>
+        </p:nvSpPr>
+        <p:spPr>
+          <a:xfrm>
+            <a:off x="5468184" y="4073899"/>
+            <a:ext cx="1434163" cy="414688"/>
+          </a:xfrm>
+          <a:prstGeom prst="rect">
+            <a:avLst/>
+          </a:prstGeom>
+          <a:solidFill>
+            <a:srgbClr val="A4F0E2"/>
+          </a:solidFill>
+          <a:ln>
+            <a:solidFill>
+              <a:srgbClr val="A4F0E2"/>
+            </a:solidFill>
+          </a:ln>
+        </p:spPr>
+        <p:style>
+          <a:lnRef idx="2">
+            <a:schemeClr val="accent1">
+              <a:shade val="50000"/>
+            </a:schemeClr>
+          </a:lnRef>
+          <a:fillRef idx="1">
+            <a:schemeClr val="accent1"/>
+          </a:fillRef>
+          <a:effectRef idx="0">
+            <a:schemeClr val="accent1"/>
+          </a:effectRef>
+          <a:fontRef idx="minor">
+            <a:schemeClr val="lt1"/>
+          </a:fontRef>
+        </p:style>
+        <p:txBody>
+          <a:bodyPr rtlCol="0" anchor="ctr"/>
+          <a:lstStyle/>
+          <a:p>
+            <a:pPr algn="ctr"/>
+            <a:r>
+              <a:rPr lang="en-US" sz="1400" dirty="0">
+                <a:solidFill>
+                  <a:schemeClr val="tx1"/>
+                </a:solidFill>
+              </a:rPr>
+              <a:t>4) Rekam Medis</a:t>
+            </a:r>
+          </a:p>
+        </p:txBody>
+      </p:sp>
+      <p:sp>
+        <p:nvSpPr>
+          <p:cNvPr id="40" name="Rectangle 39">
+            <a:extLst>
+              <a:ext uri="{FF2B5EF4-FFF2-40B4-BE49-F238E27FC236}">
+                <a16:creationId xmlns:a16="http://schemas.microsoft.com/office/drawing/2014/main" id="{D5EB2386-46FA-45FF-AFB9-4A6650A172F4}"/>
+              </a:ext>
+            </a:extLst>
+          </p:cNvPr>
+          <p:cNvSpPr/>
+          <p:nvPr/>
+        </p:nvSpPr>
+        <p:spPr>
+          <a:xfrm>
+            <a:off x="7694027" y="3911070"/>
+            <a:ext cx="1763028" cy="2367814"/>
+          </a:xfrm>
+          <a:prstGeom prst="rect">
+            <a:avLst/>
+          </a:prstGeom>
+          <a:solidFill>
+            <a:schemeClr val="bg1"/>
+          </a:solidFill>
+          <a:ln w="76200">
+            <a:solidFill>
+              <a:srgbClr val="A4F0E2"/>
+            </a:solidFill>
+          </a:ln>
+        </p:spPr>
+        <p:style>
+          <a:lnRef idx="2">
+            <a:schemeClr val="accent1">
+              <a:shade val="50000"/>
+            </a:schemeClr>
+          </a:lnRef>
+          <a:fillRef idx="1">
+            <a:schemeClr val="accent1"/>
+          </a:fillRef>
+          <a:effectRef idx="0">
+            <a:schemeClr val="accent1"/>
+          </a:effectRef>
+          <a:fontRef idx="minor">
+            <a:schemeClr val="lt1"/>
+          </a:fontRef>
+        </p:style>
+        <p:txBody>
+          <a:bodyPr rtlCol="0" anchor="ctr"/>
+          <a:lstStyle/>
+          <a:p>
+            <a:pPr algn="ctr"/>
+            <a:endParaRPr lang="en-US" dirty="0"/>
+          </a:p>
+        </p:txBody>
+      </p:sp>
+      <p:sp>
+        <p:nvSpPr>
+          <p:cNvPr id="42" name="Rectangle 41">
+            <a:extLst>
+              <a:ext uri="{FF2B5EF4-FFF2-40B4-BE49-F238E27FC236}">
+                <a16:creationId xmlns:a16="http://schemas.microsoft.com/office/drawing/2014/main" id="{16A45CF9-C8CB-4762-916A-A33C0BB66A7E}"/>
+              </a:ext>
+            </a:extLst>
+          </p:cNvPr>
+          <p:cNvSpPr/>
+          <p:nvPr/>
+        </p:nvSpPr>
+        <p:spPr>
+          <a:xfrm>
+            <a:off x="7858459" y="4191205"/>
+            <a:ext cx="1434164" cy="202130"/>
+          </a:xfrm>
+          <a:prstGeom prst="rect">
+            <a:avLst/>
+          </a:prstGeom>
+          <a:solidFill>
+            <a:srgbClr val="C6F6ED"/>
+          </a:solidFill>
+          <a:ln>
+            <a:solidFill>
+              <a:srgbClr val="A4F0E2"/>
+            </a:solidFill>
+          </a:ln>
+        </p:spPr>
+        <p:style>
+          <a:lnRef idx="2">
+            <a:schemeClr val="accent1">
+              <a:shade val="50000"/>
+            </a:schemeClr>
+          </a:lnRef>
+          <a:fillRef idx="1">
+            <a:schemeClr val="accent1"/>
+          </a:fillRef>
+          <a:effectRef idx="0">
+            <a:schemeClr val="accent1"/>
+          </a:effectRef>
+          <a:fontRef idx="minor">
+            <a:schemeClr val="lt1"/>
+          </a:fontRef>
+        </p:style>
+        <p:txBody>
+          <a:bodyPr rtlCol="0" anchor="ctr"/>
+          <a:lstStyle/>
+          <a:p>
+            <a:pPr algn="ctr"/>
+            <a:r>
+              <a:rPr lang="en-US" sz="1100" dirty="0">
+                <a:solidFill>
+                  <a:schemeClr val="tx1"/>
+                </a:solidFill>
+              </a:rPr>
+              <a:t>a)</a:t>
+            </a:r>
+            <a:r>
+              <a:rPr lang="en-US" sz="1200" dirty="0">
+                <a:solidFill>
+                  <a:schemeClr val="tx1"/>
+                </a:solidFill>
+              </a:rPr>
+              <a:t> Vaksinasi</a:t>
+            </a:r>
+          </a:p>
+        </p:txBody>
+      </p:sp>
+      <p:sp>
+        <p:nvSpPr>
+          <p:cNvPr id="43" name="Rectangle 42">
+            <a:extLst>
+              <a:ext uri="{FF2B5EF4-FFF2-40B4-BE49-F238E27FC236}">
+                <a16:creationId xmlns:a16="http://schemas.microsoft.com/office/drawing/2014/main" id="{241B6AE0-15D1-44A7-B906-97E2C4BDB190}"/>
+              </a:ext>
+            </a:extLst>
+          </p:cNvPr>
+          <p:cNvSpPr/>
+          <p:nvPr/>
+        </p:nvSpPr>
+        <p:spPr>
+          <a:xfrm>
+            <a:off x="7854049" y="4617125"/>
+            <a:ext cx="1434163" cy="165234"/>
+          </a:xfrm>
+          <a:prstGeom prst="rect">
+            <a:avLst/>
+          </a:prstGeom>
+          <a:solidFill>
+            <a:srgbClr val="DFF9F4"/>
+          </a:solidFill>
+          <a:ln>
+            <a:solidFill>
+              <a:srgbClr val="C3F5EB"/>
+            </a:solidFill>
+          </a:ln>
+        </p:spPr>
+        <p:style>
+          <a:lnRef idx="2">
+            <a:schemeClr val="accent1">
+              <a:shade val="50000"/>
+            </a:schemeClr>
+          </a:lnRef>
+          <a:fillRef idx="1">
+            <a:schemeClr val="accent1"/>
+          </a:fillRef>
+          <a:effectRef idx="0">
+            <a:schemeClr val="accent1"/>
+          </a:effectRef>
+          <a:fontRef idx="minor">
+            <a:schemeClr val="lt1"/>
+          </a:fontRef>
+        </p:style>
+        <p:txBody>
+          <a:bodyPr rtlCol="0" anchor="ctr"/>
+          <a:lstStyle/>
+          <a:p>
+            <a:r>
+              <a:rPr lang="en-US" sz="1200" dirty="0" err="1">
+                <a:solidFill>
+                  <a:schemeClr val="tx1"/>
+                </a:solidFill>
+              </a:rPr>
+              <a:t>Identitas</a:t>
+            </a:r>
+            <a:endParaRPr lang="en-US" sz="1200" dirty="0">
+              <a:solidFill>
+                <a:schemeClr val="tx1"/>
+              </a:solidFill>
+            </a:endParaRPr>
+          </a:p>
+        </p:txBody>
+      </p:sp>
+      <p:sp>
+        <p:nvSpPr>
+          <p:cNvPr id="44" name="Rectangle 43">
+            <a:extLst>
+              <a:ext uri="{FF2B5EF4-FFF2-40B4-BE49-F238E27FC236}">
+                <a16:creationId xmlns:a16="http://schemas.microsoft.com/office/drawing/2014/main" id="{59FC1A6F-B4AD-4B22-A681-DD5595EDCABD}"/>
+              </a:ext>
+            </a:extLst>
+          </p:cNvPr>
+          <p:cNvSpPr/>
+          <p:nvPr/>
+        </p:nvSpPr>
+        <p:spPr>
+          <a:xfrm>
+            <a:off x="7854049" y="4808025"/>
+            <a:ext cx="1434163" cy="165234"/>
+          </a:xfrm>
+          <a:prstGeom prst="rect">
+            <a:avLst/>
+          </a:prstGeom>
+          <a:solidFill>
+            <a:srgbClr val="DFF9F4"/>
+          </a:solidFill>
+          <a:ln>
+            <a:solidFill>
+              <a:srgbClr val="C3F5EB"/>
+            </a:solidFill>
+          </a:ln>
+        </p:spPr>
+        <p:style>
+          <a:lnRef idx="2">
+            <a:schemeClr val="accent1">
+              <a:shade val="50000"/>
+            </a:schemeClr>
+          </a:lnRef>
+          <a:fillRef idx="1">
+            <a:schemeClr val="accent1"/>
+          </a:fillRef>
+          <a:effectRef idx="0">
+            <a:schemeClr val="accent1"/>
+          </a:effectRef>
+          <a:fontRef idx="minor">
+            <a:schemeClr val="lt1"/>
+          </a:fontRef>
+        </p:style>
+        <p:txBody>
+          <a:bodyPr rtlCol="0" anchor="ctr"/>
+          <a:lstStyle/>
+          <a:p>
+            <a:r>
+              <a:rPr lang="en-US" sz="1200" dirty="0">
+                <a:solidFill>
+                  <a:schemeClr val="tx1"/>
+                </a:solidFill>
+              </a:rPr>
+              <a:t>Jenis Vaksin</a:t>
+            </a:r>
+          </a:p>
+        </p:txBody>
+      </p:sp>
+      <p:sp>
+        <p:nvSpPr>
+          <p:cNvPr id="45" name="Rectangle 44">
+            <a:extLst>
+              <a:ext uri="{FF2B5EF4-FFF2-40B4-BE49-F238E27FC236}">
+                <a16:creationId xmlns:a16="http://schemas.microsoft.com/office/drawing/2014/main" id="{43A771AE-9B4D-4625-B746-E2F814264689}"/>
+              </a:ext>
+            </a:extLst>
+          </p:cNvPr>
+          <p:cNvSpPr/>
+          <p:nvPr/>
+        </p:nvSpPr>
+        <p:spPr>
+          <a:xfrm>
+            <a:off x="8571132" y="5825695"/>
+            <a:ext cx="717079" cy="165234"/>
+          </a:xfrm>
+          <a:prstGeom prst="rect">
+            <a:avLst/>
+          </a:prstGeom>
+          <a:solidFill>
+            <a:srgbClr val="F5FDFB"/>
+          </a:solidFill>
+          <a:ln>
+            <a:solidFill>
+              <a:srgbClr val="A4F0E2"/>
+            </a:solidFill>
+          </a:ln>
+        </p:spPr>
+        <p:style>
+          <a:lnRef idx="2">
+            <a:schemeClr val="accent1">
+              <a:shade val="50000"/>
+            </a:schemeClr>
+          </a:lnRef>
+          <a:fillRef idx="1">
+            <a:schemeClr val="accent1"/>
+          </a:fillRef>
+          <a:effectRef idx="0">
+            <a:schemeClr val="accent1"/>
+          </a:effectRef>
+          <a:fontRef idx="minor">
+            <a:schemeClr val="lt1"/>
+          </a:fontRef>
+        </p:style>
+        <p:txBody>
+          <a:bodyPr rtlCol="0" anchor="ctr"/>
+          <a:lstStyle/>
+          <a:p>
+            <a:r>
+              <a:rPr lang="en-US" sz="1050" dirty="0">
+                <a:solidFill>
+                  <a:schemeClr val="tx1"/>
+                </a:solidFill>
+              </a:rPr>
+              <a:t>Simpan</a:t>
+            </a:r>
+          </a:p>
+        </p:txBody>
+      </p:sp>
+      <p:sp>
+        <p:nvSpPr>
+          <p:cNvPr id="46" name="Arrow: Pentagon 45">
+            <a:extLst>
+              <a:ext uri="{FF2B5EF4-FFF2-40B4-BE49-F238E27FC236}">
+                <a16:creationId xmlns:a16="http://schemas.microsoft.com/office/drawing/2014/main" id="{AF761860-74B7-4D29-94C6-6EC9A5EE0DA5}"/>
+              </a:ext>
+            </a:extLst>
+          </p:cNvPr>
+          <p:cNvSpPr/>
+          <p:nvPr/>
+        </p:nvSpPr>
+        <p:spPr>
+          <a:xfrm>
+            <a:off x="8571130" y="6018202"/>
+            <a:ext cx="717081" cy="165234"/>
+          </a:xfrm>
+          <a:prstGeom prst="homePlate">
+            <a:avLst/>
+          </a:prstGeom>
+          <a:solidFill>
+            <a:srgbClr val="F5FDFB"/>
+          </a:solidFill>
+          <a:ln>
+            <a:solidFill>
+              <a:srgbClr val="C6F6ED"/>
+            </a:solidFill>
+          </a:ln>
+        </p:spPr>
+        <p:style>
+          <a:lnRef idx="2">
+            <a:schemeClr val="accent1">
+              <a:shade val="50000"/>
+            </a:schemeClr>
+          </a:lnRef>
+          <a:fillRef idx="1">
+            <a:schemeClr val="accent1"/>
+          </a:fillRef>
+          <a:effectRef idx="0">
+            <a:schemeClr val="accent1"/>
+          </a:effectRef>
+          <a:fontRef idx="minor">
+            <a:schemeClr val="lt1"/>
+          </a:fontRef>
+        </p:style>
+        <p:txBody>
+          <a:bodyPr rtlCol="0" anchor="ctr"/>
+          <a:lstStyle/>
+          <a:p>
+            <a:pPr algn="ctr"/>
+            <a:r>
+              <a:rPr lang="en-US" sz="1100" dirty="0">
+                <a:solidFill>
+                  <a:sysClr val="windowText" lastClr="000000"/>
+                </a:solidFill>
+              </a:rPr>
+              <a:t>Lanjut</a:t>
+            </a:r>
+          </a:p>
+        </p:txBody>
+      </p:sp>
+      <p:sp>
+        <p:nvSpPr>
+          <p:cNvPr id="47" name="Rectangle 46">
+            <a:extLst>
+              <a:ext uri="{FF2B5EF4-FFF2-40B4-BE49-F238E27FC236}">
+                <a16:creationId xmlns:a16="http://schemas.microsoft.com/office/drawing/2014/main" id="{BA2BC99B-4AC3-47E6-B4A4-15ECE8AE6F8F}"/>
+              </a:ext>
+            </a:extLst>
+          </p:cNvPr>
+          <p:cNvSpPr/>
+          <p:nvPr/>
+        </p:nvSpPr>
+        <p:spPr>
+          <a:xfrm>
+            <a:off x="10040989" y="3911070"/>
+            <a:ext cx="1763028" cy="2367814"/>
+          </a:xfrm>
+          <a:prstGeom prst="rect">
+            <a:avLst/>
+          </a:prstGeom>
+          <a:solidFill>
+            <a:schemeClr val="bg1"/>
+          </a:solidFill>
+          <a:ln w="76200">
+            <a:solidFill>
+              <a:srgbClr val="A4F0E2"/>
+            </a:solidFill>
+          </a:ln>
+        </p:spPr>
+        <p:style>
+          <a:lnRef idx="2">
+            <a:schemeClr val="accent1">
+              <a:shade val="50000"/>
+            </a:schemeClr>
+          </a:lnRef>
+          <a:fillRef idx="1">
+            <a:schemeClr val="accent1"/>
+          </a:fillRef>
+          <a:effectRef idx="0">
+            <a:schemeClr val="accent1"/>
+          </a:effectRef>
+          <a:fontRef idx="minor">
+            <a:schemeClr val="lt1"/>
+          </a:fontRef>
+        </p:style>
+        <p:txBody>
+          <a:bodyPr rtlCol="0" anchor="ctr"/>
+          <a:lstStyle/>
+          <a:p>
+            <a:pPr algn="ctr"/>
+            <a:endParaRPr lang="en-US" dirty="0"/>
+          </a:p>
+        </p:txBody>
+      </p:sp>
+      <p:sp>
+        <p:nvSpPr>
+          <p:cNvPr id="48" name="Rectangle 47">
+            <a:extLst>
+              <a:ext uri="{FF2B5EF4-FFF2-40B4-BE49-F238E27FC236}">
+                <a16:creationId xmlns:a16="http://schemas.microsoft.com/office/drawing/2014/main" id="{49398001-6935-4DBD-AD05-23379564A4A2}"/>
+              </a:ext>
+            </a:extLst>
+          </p:cNvPr>
+          <p:cNvSpPr/>
+          <p:nvPr/>
+        </p:nvSpPr>
+        <p:spPr>
+          <a:xfrm>
+            <a:off x="10205421" y="4180178"/>
+            <a:ext cx="1434164" cy="202130"/>
+          </a:xfrm>
+          <a:prstGeom prst="rect">
+            <a:avLst/>
+          </a:prstGeom>
+          <a:solidFill>
+            <a:srgbClr val="C6F6ED"/>
+          </a:solidFill>
+          <a:ln>
+            <a:solidFill>
+              <a:srgbClr val="A4F0E2"/>
+            </a:solidFill>
+          </a:ln>
+        </p:spPr>
+        <p:style>
+          <a:lnRef idx="2">
+            <a:schemeClr val="accent1">
+              <a:shade val="50000"/>
+            </a:schemeClr>
+          </a:lnRef>
+          <a:fillRef idx="1">
+            <a:schemeClr val="accent1"/>
+          </a:fillRef>
+          <a:effectRef idx="0">
+            <a:schemeClr val="accent1"/>
+          </a:effectRef>
+          <a:fontRef idx="minor">
+            <a:schemeClr val="lt1"/>
+          </a:fontRef>
+        </p:style>
+        <p:txBody>
+          <a:bodyPr rtlCol="0" anchor="ctr"/>
+          <a:lstStyle/>
+          <a:p>
+            <a:pPr algn="ctr"/>
+            <a:r>
+              <a:rPr lang="en-US" sz="1100" dirty="0">
+                <a:solidFill>
+                  <a:schemeClr val="tx1"/>
+                </a:solidFill>
+              </a:rPr>
+              <a:t>b)</a:t>
+            </a:r>
+            <a:r>
+              <a:rPr lang="en-US" sz="1200" dirty="0">
+                <a:solidFill>
+                  <a:schemeClr val="tx1"/>
+                </a:solidFill>
+              </a:rPr>
+              <a:t> Pemeriksaan</a:t>
+            </a:r>
+          </a:p>
+        </p:txBody>
+      </p:sp>
+      <p:sp>
+        <p:nvSpPr>
+          <p:cNvPr id="49" name="Rectangle 48">
+            <a:extLst>
+              <a:ext uri="{FF2B5EF4-FFF2-40B4-BE49-F238E27FC236}">
+                <a16:creationId xmlns:a16="http://schemas.microsoft.com/office/drawing/2014/main" id="{4D97458A-EFFB-4805-8867-49E6B8BD5DD8}"/>
+              </a:ext>
+            </a:extLst>
+          </p:cNvPr>
+          <p:cNvSpPr/>
+          <p:nvPr/>
+        </p:nvSpPr>
+        <p:spPr>
+          <a:xfrm>
+            <a:off x="10205422" y="4613615"/>
+            <a:ext cx="1434163" cy="165234"/>
+          </a:xfrm>
+          <a:prstGeom prst="rect">
+            <a:avLst/>
+          </a:prstGeom>
+          <a:solidFill>
+            <a:srgbClr val="DFF9F4"/>
+          </a:solidFill>
+          <a:ln>
+            <a:solidFill>
+              <a:srgbClr val="C3F5EB"/>
+            </a:solidFill>
+          </a:ln>
+        </p:spPr>
+        <p:style>
+          <a:lnRef idx="2">
+            <a:schemeClr val="accent1">
+              <a:shade val="50000"/>
+            </a:schemeClr>
+          </a:lnRef>
+          <a:fillRef idx="1">
+            <a:schemeClr val="accent1"/>
+          </a:fillRef>
+          <a:effectRef idx="0">
+            <a:schemeClr val="accent1"/>
+          </a:effectRef>
+          <a:fontRef idx="minor">
+            <a:schemeClr val="lt1"/>
+          </a:fontRef>
+        </p:style>
+        <p:txBody>
+          <a:bodyPr rtlCol="0" anchor="ctr"/>
+          <a:lstStyle/>
+          <a:p>
+            <a:r>
+              <a:rPr lang="en-US" sz="1200" dirty="0" err="1">
+                <a:solidFill>
+                  <a:schemeClr val="tx1"/>
+                </a:solidFill>
+              </a:rPr>
+              <a:t>Identitas</a:t>
+            </a:r>
+            <a:endParaRPr lang="en-US" sz="1200" dirty="0">
+              <a:solidFill>
+                <a:schemeClr val="tx1"/>
+              </a:solidFill>
+            </a:endParaRPr>
+          </a:p>
+        </p:txBody>
+      </p:sp>
+      <p:sp>
+        <p:nvSpPr>
+          <p:cNvPr id="50" name="Rectangle 49">
+            <a:extLst>
+              <a:ext uri="{FF2B5EF4-FFF2-40B4-BE49-F238E27FC236}">
+                <a16:creationId xmlns:a16="http://schemas.microsoft.com/office/drawing/2014/main" id="{6C422BC2-A0C0-4FE5-AE49-698A3A755F63}"/>
+              </a:ext>
+            </a:extLst>
+          </p:cNvPr>
+          <p:cNvSpPr/>
+          <p:nvPr/>
+        </p:nvSpPr>
+        <p:spPr>
+          <a:xfrm>
+            <a:off x="10205422" y="4841113"/>
+            <a:ext cx="1434163" cy="165234"/>
+          </a:xfrm>
+          <a:prstGeom prst="rect">
+            <a:avLst/>
+          </a:prstGeom>
+          <a:solidFill>
+            <a:srgbClr val="DFF9F4"/>
+          </a:solidFill>
+          <a:ln>
+            <a:solidFill>
+              <a:srgbClr val="C3F5EB"/>
+            </a:solidFill>
+          </a:ln>
+        </p:spPr>
+        <p:style>
+          <a:lnRef idx="2">
+            <a:schemeClr val="accent1">
+              <a:shade val="50000"/>
+            </a:schemeClr>
+          </a:lnRef>
+          <a:fillRef idx="1">
+            <a:schemeClr val="accent1"/>
+          </a:fillRef>
+          <a:effectRef idx="0">
+            <a:schemeClr val="accent1"/>
+          </a:effectRef>
+          <a:fontRef idx="minor">
+            <a:schemeClr val="lt1"/>
+          </a:fontRef>
+        </p:style>
+        <p:txBody>
+          <a:bodyPr rtlCol="0" anchor="ctr"/>
+          <a:lstStyle/>
+          <a:p>
+            <a:r>
+              <a:rPr lang="en-US" sz="1200" dirty="0">
+                <a:solidFill>
+                  <a:schemeClr val="tx1"/>
+                </a:solidFill>
+              </a:rPr>
+              <a:t>Berat Badan</a:t>
+            </a:r>
+          </a:p>
+        </p:txBody>
+      </p:sp>
+      <p:sp>
+        <p:nvSpPr>
+          <p:cNvPr id="51" name="Rectangle 50">
+            <a:extLst>
+              <a:ext uri="{FF2B5EF4-FFF2-40B4-BE49-F238E27FC236}">
+                <a16:creationId xmlns:a16="http://schemas.microsoft.com/office/drawing/2014/main" id="{3263A21D-028B-45DB-AC15-0A3865402E14}"/>
+              </a:ext>
+            </a:extLst>
+          </p:cNvPr>
+          <p:cNvSpPr/>
+          <p:nvPr/>
+        </p:nvSpPr>
+        <p:spPr>
+          <a:xfrm>
+            <a:off x="10205421" y="5049361"/>
+            <a:ext cx="1434163" cy="165234"/>
+          </a:xfrm>
+          <a:prstGeom prst="rect">
+            <a:avLst/>
+          </a:prstGeom>
+          <a:solidFill>
+            <a:srgbClr val="DFF9F4"/>
+          </a:solidFill>
+          <a:ln>
+            <a:solidFill>
+              <a:srgbClr val="C3F5EB"/>
+            </a:solidFill>
+          </a:ln>
+        </p:spPr>
+        <p:style>
+          <a:lnRef idx="2">
+            <a:schemeClr val="accent1">
+              <a:shade val="50000"/>
+            </a:schemeClr>
+          </a:lnRef>
+          <a:fillRef idx="1">
+            <a:schemeClr val="accent1"/>
+          </a:fillRef>
+          <a:effectRef idx="0">
+            <a:schemeClr val="accent1"/>
+          </a:effectRef>
+          <a:fontRef idx="minor">
+            <a:schemeClr val="lt1"/>
+          </a:fontRef>
+        </p:style>
+        <p:txBody>
+          <a:bodyPr rtlCol="0" anchor="ctr"/>
+          <a:lstStyle/>
+          <a:p>
+            <a:r>
+              <a:rPr lang="en-US" sz="1200" dirty="0">
+                <a:solidFill>
+                  <a:schemeClr val="tx1"/>
+                </a:solidFill>
+              </a:rPr>
+              <a:t>Tinggi Badan</a:t>
+            </a:r>
+          </a:p>
+        </p:txBody>
+      </p:sp>
+      <p:sp>
+        <p:nvSpPr>
+          <p:cNvPr id="52" name="Rectangle 51">
+            <a:extLst>
+              <a:ext uri="{FF2B5EF4-FFF2-40B4-BE49-F238E27FC236}">
+                <a16:creationId xmlns:a16="http://schemas.microsoft.com/office/drawing/2014/main" id="{6AE20A9A-F13B-43D5-A54F-E23EE11E2258}"/>
+              </a:ext>
+            </a:extLst>
+          </p:cNvPr>
+          <p:cNvSpPr/>
+          <p:nvPr/>
+        </p:nvSpPr>
+        <p:spPr>
+          <a:xfrm>
+            <a:off x="10205420" y="5249883"/>
+            <a:ext cx="1434163" cy="165234"/>
+          </a:xfrm>
+          <a:prstGeom prst="rect">
+            <a:avLst/>
+          </a:prstGeom>
+          <a:solidFill>
+            <a:srgbClr val="DFF9F4"/>
+          </a:solidFill>
+          <a:ln>
+            <a:solidFill>
+              <a:srgbClr val="C3F5EB"/>
+            </a:solidFill>
+          </a:ln>
+        </p:spPr>
+        <p:style>
+          <a:lnRef idx="2">
+            <a:schemeClr val="accent1">
+              <a:shade val="50000"/>
+            </a:schemeClr>
+          </a:lnRef>
+          <a:fillRef idx="1">
+            <a:schemeClr val="accent1"/>
+          </a:fillRef>
+          <a:effectRef idx="0">
+            <a:schemeClr val="accent1"/>
+          </a:effectRef>
+          <a:fontRef idx="minor">
+            <a:schemeClr val="lt1"/>
+          </a:fontRef>
+        </p:style>
+        <p:txBody>
+          <a:bodyPr rtlCol="0" anchor="ctr"/>
+          <a:lstStyle/>
+          <a:p>
+            <a:r>
+              <a:rPr lang="en-US" sz="1200" dirty="0">
+                <a:solidFill>
+                  <a:schemeClr val="tx1"/>
+                </a:solidFill>
+              </a:rPr>
+              <a:t>Lingkar Kepala</a:t>
+            </a:r>
+          </a:p>
+        </p:txBody>
+      </p:sp>
+      <p:sp>
+        <p:nvSpPr>
+          <p:cNvPr id="53" name="Rectangle 52">
+            <a:extLst>
+              <a:ext uri="{FF2B5EF4-FFF2-40B4-BE49-F238E27FC236}">
+                <a16:creationId xmlns:a16="http://schemas.microsoft.com/office/drawing/2014/main" id="{917F7CE8-7D41-4608-89FF-7DE1164F4449}"/>
+              </a:ext>
+            </a:extLst>
+          </p:cNvPr>
+          <p:cNvSpPr/>
+          <p:nvPr/>
+        </p:nvSpPr>
+        <p:spPr>
+          <a:xfrm>
+            <a:off x="10616906" y="5857628"/>
+            <a:ext cx="707454" cy="283496"/>
+          </a:xfrm>
+          <a:prstGeom prst="rect">
+            <a:avLst/>
+          </a:prstGeom>
+          <a:solidFill>
+            <a:srgbClr val="F5FDFB"/>
+          </a:solidFill>
+          <a:ln>
+            <a:solidFill>
+              <a:srgbClr val="A4F0E2"/>
+            </a:solidFill>
+          </a:ln>
+        </p:spPr>
+        <p:style>
+          <a:lnRef idx="2">
+            <a:schemeClr val="accent1">
+              <a:shade val="50000"/>
+            </a:schemeClr>
+          </a:lnRef>
+          <a:fillRef idx="1">
+            <a:schemeClr val="accent1"/>
+          </a:fillRef>
+          <a:effectRef idx="0">
+            <a:schemeClr val="accent1"/>
+          </a:effectRef>
+          <a:fontRef idx="minor">
+            <a:schemeClr val="lt1"/>
+          </a:fontRef>
+        </p:style>
+        <p:txBody>
+          <a:bodyPr rtlCol="0" anchor="ctr"/>
+          <a:lstStyle/>
+          <a:p>
+            <a:pPr algn="ctr"/>
+            <a:r>
+              <a:rPr lang="en-US" sz="1000" dirty="0" err="1">
+                <a:solidFill>
+                  <a:schemeClr val="tx1"/>
+                </a:solidFill>
+              </a:rPr>
+              <a:t>Diagnosa</a:t>
+            </a:r>
+            <a:endParaRPr lang="en-US" sz="1000" dirty="0">
+              <a:solidFill>
+                <a:schemeClr val="tx1"/>
+              </a:solidFill>
+            </a:endParaRPr>
+          </a:p>
+        </p:txBody>
+      </p:sp>
+      <p:sp>
+        <p:nvSpPr>
+          <p:cNvPr id="54" name="Rectangle 53">
+            <a:extLst>
+              <a:ext uri="{FF2B5EF4-FFF2-40B4-BE49-F238E27FC236}">
+                <a16:creationId xmlns:a16="http://schemas.microsoft.com/office/drawing/2014/main" id="{CB15377A-FBCB-4939-89FF-0175E70A2299}"/>
+              </a:ext>
+            </a:extLst>
+          </p:cNvPr>
+          <p:cNvSpPr/>
+          <p:nvPr/>
+        </p:nvSpPr>
+        <p:spPr>
+          <a:xfrm>
+            <a:off x="10616906" y="5552801"/>
+            <a:ext cx="707454" cy="283496"/>
+          </a:xfrm>
+          <a:prstGeom prst="rect">
+            <a:avLst/>
+          </a:prstGeom>
+          <a:solidFill>
+            <a:srgbClr val="F5FDFB"/>
+          </a:solidFill>
+          <a:ln>
+            <a:solidFill>
+              <a:srgbClr val="A4F0E2"/>
+            </a:solidFill>
+          </a:ln>
+        </p:spPr>
+        <p:style>
+          <a:lnRef idx="2">
+            <a:schemeClr val="accent1">
+              <a:shade val="50000"/>
+            </a:schemeClr>
+          </a:lnRef>
+          <a:fillRef idx="1">
+            <a:schemeClr val="accent1"/>
+          </a:fillRef>
+          <a:effectRef idx="0">
+            <a:schemeClr val="accent1"/>
+          </a:effectRef>
+          <a:fontRef idx="minor">
+            <a:schemeClr val="lt1"/>
+          </a:fontRef>
+        </p:style>
+        <p:txBody>
+          <a:bodyPr rtlCol="0" anchor="ctr"/>
+          <a:lstStyle/>
+          <a:p>
+            <a:pPr algn="ctr"/>
+            <a:r>
+              <a:rPr lang="en-US" sz="1050" dirty="0">
+                <a:solidFill>
+                  <a:schemeClr val="tx1"/>
+                </a:solidFill>
+              </a:rPr>
+              <a:t>Grafik</a:t>
+            </a:r>
+          </a:p>
+        </p:txBody>
+      </p:sp>
+      <p:cxnSp>
+        <p:nvCxnSpPr>
+          <p:cNvPr id="56" name="Straight Arrow Connector 55">
+            <a:extLst>
+              <a:ext uri="{FF2B5EF4-FFF2-40B4-BE49-F238E27FC236}">
+                <a16:creationId xmlns:a16="http://schemas.microsoft.com/office/drawing/2014/main" id="{B5C41809-6504-4C10-BB6F-C2ADBEC4B471}"/>
+              </a:ext>
+            </a:extLst>
+          </p:cNvPr>
+          <p:cNvCxnSpPr>
+            <a:cxnSpLocks/>
+          </p:cNvCxnSpPr>
+          <p:nvPr/>
+        </p:nvCxnSpPr>
+        <p:spPr>
+          <a:xfrm flipH="1" flipV="1">
+            <a:off x="3955988" y="2923673"/>
+            <a:ext cx="2406" cy="281539"/>
+          </a:xfrm>
+          <a:prstGeom prst="straightConnector1">
+            <a:avLst/>
+          </a:prstGeom>
+          <a:ln>
+            <a:solidFill>
+              <a:srgbClr val="2FBB9D"/>
+            </a:solidFill>
+            <a:tailEnd type="triangle"/>
+          </a:ln>
+        </p:spPr>
+        <p:style>
+          <a:lnRef idx="1">
+            <a:schemeClr val="accent1"/>
+          </a:lnRef>
+          <a:fillRef idx="0">
+            <a:schemeClr val="accent1"/>
+          </a:fillRef>
+          <a:effectRef idx="0">
+            <a:schemeClr val="accent1"/>
+          </a:effectRef>
+          <a:fontRef idx="minor">
+            <a:schemeClr val="tx1"/>
+          </a:fontRef>
+        </p:style>
+      </p:cxnSp>
+      <p:cxnSp>
+        <p:nvCxnSpPr>
+          <p:cNvPr id="57" name="Straight Arrow Connector 56">
+            <a:extLst>
+              <a:ext uri="{FF2B5EF4-FFF2-40B4-BE49-F238E27FC236}">
+                <a16:creationId xmlns:a16="http://schemas.microsoft.com/office/drawing/2014/main" id="{D4B9E5C4-CB4E-4A57-9F5B-0C239583CF5C}"/>
+              </a:ext>
+            </a:extLst>
+          </p:cNvPr>
+          <p:cNvCxnSpPr>
+            <a:cxnSpLocks/>
+          </p:cNvCxnSpPr>
+          <p:nvPr/>
+        </p:nvCxnSpPr>
+        <p:spPr>
+          <a:xfrm flipH="1" flipV="1">
+            <a:off x="6091195" y="2923672"/>
+            <a:ext cx="2406" cy="281539"/>
+          </a:xfrm>
+          <a:prstGeom prst="straightConnector1">
+            <a:avLst/>
+          </a:prstGeom>
+          <a:ln>
+            <a:solidFill>
+              <a:srgbClr val="2FBB9D"/>
+            </a:solidFill>
+            <a:tailEnd type="triangle"/>
+          </a:ln>
+        </p:spPr>
+        <p:style>
+          <a:lnRef idx="1">
+            <a:schemeClr val="accent1"/>
+          </a:lnRef>
+          <a:fillRef idx="0">
+            <a:schemeClr val="accent1"/>
+          </a:fillRef>
+          <a:effectRef idx="0">
+            <a:schemeClr val="accent1"/>
+          </a:effectRef>
+          <a:fontRef idx="minor">
+            <a:schemeClr val="tx1"/>
+          </a:fontRef>
+        </p:style>
+      </p:cxnSp>
+      <p:cxnSp>
+        <p:nvCxnSpPr>
+          <p:cNvPr id="59" name="Straight Connector 58">
+            <a:extLst>
+              <a:ext uri="{FF2B5EF4-FFF2-40B4-BE49-F238E27FC236}">
+                <a16:creationId xmlns:a16="http://schemas.microsoft.com/office/drawing/2014/main" id="{EC8C003C-3A66-4238-B479-A34E8CDECC7A}"/>
+              </a:ext>
+            </a:extLst>
+          </p:cNvPr>
+          <p:cNvCxnSpPr>
+            <a:cxnSpLocks/>
+          </p:cNvCxnSpPr>
+          <p:nvPr/>
+        </p:nvCxnSpPr>
+        <p:spPr>
+          <a:xfrm>
+            <a:off x="1390053" y="3205211"/>
+            <a:ext cx="4699135" cy="0"/>
+          </a:xfrm>
+          <a:prstGeom prst="line">
+            <a:avLst/>
+          </a:prstGeom>
+          <a:ln>
+            <a:solidFill>
+              <a:srgbClr val="2FBB9D"/>
+            </a:solidFill>
+          </a:ln>
+        </p:spPr>
+        <p:style>
+          <a:lnRef idx="1">
+            <a:schemeClr val="accent1"/>
+          </a:lnRef>
+          <a:fillRef idx="0">
+            <a:schemeClr val="accent1"/>
+          </a:fillRef>
+          <a:effectRef idx="0">
+            <a:schemeClr val="accent1"/>
+          </a:effectRef>
+          <a:fontRef idx="minor">
+            <a:schemeClr val="tx1"/>
+          </a:fontRef>
+        </p:style>
+      </p:cxnSp>
+      <p:cxnSp>
+        <p:nvCxnSpPr>
+          <p:cNvPr id="62" name="Straight Connector 61">
+            <a:extLst>
+              <a:ext uri="{FF2B5EF4-FFF2-40B4-BE49-F238E27FC236}">
+                <a16:creationId xmlns:a16="http://schemas.microsoft.com/office/drawing/2014/main" id="{F69DE552-A60F-4A7F-BFA7-ED8875E61C7E}"/>
+              </a:ext>
+            </a:extLst>
+          </p:cNvPr>
+          <p:cNvCxnSpPr>
+            <a:cxnSpLocks/>
+          </p:cNvCxnSpPr>
+          <p:nvPr/>
+        </p:nvCxnSpPr>
+        <p:spPr>
+          <a:xfrm>
+            <a:off x="1390053" y="2914849"/>
+            <a:ext cx="0" cy="290362"/>
+          </a:xfrm>
+          <a:prstGeom prst="line">
+            <a:avLst/>
+          </a:prstGeom>
+          <a:ln>
+            <a:solidFill>
+              <a:srgbClr val="2FBB9D"/>
+            </a:solidFill>
+          </a:ln>
+        </p:spPr>
+        <p:style>
+          <a:lnRef idx="1">
+            <a:schemeClr val="accent1"/>
+          </a:lnRef>
+          <a:fillRef idx="0">
+            <a:schemeClr val="accent1"/>
+          </a:fillRef>
+          <a:effectRef idx="0">
+            <a:schemeClr val="accent1"/>
+          </a:effectRef>
+          <a:fontRef idx="minor">
+            <a:schemeClr val="tx1"/>
+          </a:fontRef>
+        </p:style>
+      </p:cxnSp>
+      <p:cxnSp>
+        <p:nvCxnSpPr>
+          <p:cNvPr id="64" name="Straight Connector 63">
+            <a:extLst>
+              <a:ext uri="{FF2B5EF4-FFF2-40B4-BE49-F238E27FC236}">
+                <a16:creationId xmlns:a16="http://schemas.microsoft.com/office/drawing/2014/main" id="{6F7C5578-A713-4289-96BC-3596BDE52634}"/>
+              </a:ext>
+            </a:extLst>
+          </p:cNvPr>
+          <p:cNvCxnSpPr>
+            <a:cxnSpLocks/>
+          </p:cNvCxnSpPr>
+          <p:nvPr/>
+        </p:nvCxnSpPr>
+        <p:spPr>
+          <a:xfrm>
+            <a:off x="6986054" y="1665173"/>
+            <a:ext cx="450000" cy="0"/>
+          </a:xfrm>
+          <a:prstGeom prst="line">
+            <a:avLst/>
+          </a:prstGeom>
+          <a:ln>
+            <a:solidFill>
+              <a:srgbClr val="2FBB9D"/>
+            </a:solidFill>
+            <a:prstDash val="lgDash"/>
+          </a:ln>
+        </p:spPr>
+        <p:style>
+          <a:lnRef idx="1">
+            <a:schemeClr val="accent1"/>
+          </a:lnRef>
+          <a:fillRef idx="0">
+            <a:schemeClr val="accent1"/>
+          </a:fillRef>
+          <a:effectRef idx="0">
+            <a:schemeClr val="accent1"/>
+          </a:effectRef>
+          <a:fontRef idx="minor">
+            <a:schemeClr val="tx1"/>
+          </a:fontRef>
+        </p:style>
+      </p:cxnSp>
+      <p:cxnSp>
+        <p:nvCxnSpPr>
+          <p:cNvPr id="66" name="Straight Arrow Connector 65">
+            <a:extLst>
+              <a:ext uri="{FF2B5EF4-FFF2-40B4-BE49-F238E27FC236}">
+                <a16:creationId xmlns:a16="http://schemas.microsoft.com/office/drawing/2014/main" id="{5E7E6C2A-C665-4ED2-9CBB-FC7BDD4A7105}"/>
+              </a:ext>
+            </a:extLst>
+          </p:cNvPr>
+          <p:cNvCxnSpPr>
+            <a:cxnSpLocks/>
+            <a:endCxn id="36" idx="0"/>
+          </p:cNvCxnSpPr>
+          <p:nvPr/>
+        </p:nvCxnSpPr>
+        <p:spPr>
+          <a:xfrm>
+            <a:off x="6256426" y="2946934"/>
+            <a:ext cx="0" cy="918000"/>
+          </a:xfrm>
+          <a:prstGeom prst="straightConnector1">
+            <a:avLst/>
+          </a:prstGeom>
+          <a:ln>
+            <a:solidFill>
+              <a:srgbClr val="2FBB9D"/>
+            </a:solidFill>
+            <a:tailEnd type="triangle"/>
+          </a:ln>
+        </p:spPr>
+        <p:style>
+          <a:lnRef idx="1">
+            <a:schemeClr val="accent1"/>
+          </a:lnRef>
+          <a:fillRef idx="0">
+            <a:schemeClr val="accent1"/>
+          </a:fillRef>
+          <a:effectRef idx="0">
+            <a:schemeClr val="accent1"/>
+          </a:effectRef>
+          <a:fontRef idx="minor">
+            <a:schemeClr val="tx1"/>
+          </a:fontRef>
+        </p:style>
+      </p:cxnSp>
+      <p:cxnSp>
+        <p:nvCxnSpPr>
+          <p:cNvPr id="67" name="Straight Arrow Connector 66">
+            <a:extLst>
+              <a:ext uri="{FF2B5EF4-FFF2-40B4-BE49-F238E27FC236}">
+                <a16:creationId xmlns:a16="http://schemas.microsoft.com/office/drawing/2014/main" id="{DDB3A95E-BFD1-47D8-8218-EDCA6140F73A}"/>
+              </a:ext>
+            </a:extLst>
+          </p:cNvPr>
+          <p:cNvCxnSpPr>
+            <a:cxnSpLocks/>
+          </p:cNvCxnSpPr>
+          <p:nvPr/>
+        </p:nvCxnSpPr>
+        <p:spPr>
+          <a:xfrm flipH="1" flipV="1">
+            <a:off x="8643317" y="6310167"/>
+            <a:ext cx="2406" cy="281539"/>
+          </a:xfrm>
+          <a:prstGeom prst="straightConnector1">
+            <a:avLst/>
+          </a:prstGeom>
+          <a:ln>
+            <a:solidFill>
+              <a:srgbClr val="2FBB9D"/>
+            </a:solidFill>
+            <a:tailEnd type="triangle"/>
+          </a:ln>
+        </p:spPr>
+        <p:style>
+          <a:lnRef idx="1">
+            <a:schemeClr val="accent1"/>
+          </a:lnRef>
+          <a:fillRef idx="0">
+            <a:schemeClr val="accent1"/>
+          </a:fillRef>
+          <a:effectRef idx="0">
+            <a:schemeClr val="accent1"/>
+          </a:effectRef>
+          <a:fontRef idx="minor">
+            <a:schemeClr val="tx1"/>
+          </a:fontRef>
+        </p:style>
+      </p:cxnSp>
+      <p:cxnSp>
+        <p:nvCxnSpPr>
+          <p:cNvPr id="68" name="Straight Arrow Connector 67">
+            <a:extLst>
+              <a:ext uri="{FF2B5EF4-FFF2-40B4-BE49-F238E27FC236}">
+                <a16:creationId xmlns:a16="http://schemas.microsoft.com/office/drawing/2014/main" id="{994545FA-2573-4701-8C8F-5931E88F3B2C}"/>
+              </a:ext>
+            </a:extLst>
+          </p:cNvPr>
+          <p:cNvCxnSpPr>
+            <a:cxnSpLocks/>
+          </p:cNvCxnSpPr>
+          <p:nvPr/>
+        </p:nvCxnSpPr>
+        <p:spPr>
+          <a:xfrm flipH="1" flipV="1">
+            <a:off x="10961397" y="6310166"/>
+            <a:ext cx="2406" cy="281539"/>
+          </a:xfrm>
+          <a:prstGeom prst="straightConnector1">
+            <a:avLst/>
+          </a:prstGeom>
+          <a:ln>
+            <a:solidFill>
+              <a:srgbClr val="2FBB9D"/>
+            </a:solidFill>
+            <a:tailEnd type="triangle"/>
+          </a:ln>
+        </p:spPr>
+        <p:style>
+          <a:lnRef idx="1">
+            <a:schemeClr val="accent1"/>
+          </a:lnRef>
+          <a:fillRef idx="0">
+            <a:schemeClr val="accent1"/>
+          </a:fillRef>
+          <a:effectRef idx="0">
+            <a:schemeClr val="accent1"/>
+          </a:effectRef>
+          <a:fontRef idx="minor">
+            <a:schemeClr val="tx1"/>
+          </a:fontRef>
+        </p:style>
+      </p:cxnSp>
+      <p:cxnSp>
+        <p:nvCxnSpPr>
+          <p:cNvPr id="69" name="Straight Connector 68">
+            <a:extLst>
+              <a:ext uri="{FF2B5EF4-FFF2-40B4-BE49-F238E27FC236}">
+                <a16:creationId xmlns:a16="http://schemas.microsoft.com/office/drawing/2014/main" id="{96FF90A2-EF5D-471B-876A-00972CABE6FE}"/>
+              </a:ext>
+            </a:extLst>
+          </p:cNvPr>
+          <p:cNvCxnSpPr>
+            <a:cxnSpLocks/>
+          </p:cNvCxnSpPr>
+          <p:nvPr/>
+        </p:nvCxnSpPr>
+        <p:spPr>
+          <a:xfrm>
+            <a:off x="6173635" y="6591705"/>
+            <a:ext cx="4787762" cy="0"/>
+          </a:xfrm>
+          <a:prstGeom prst="line">
+            <a:avLst/>
+          </a:prstGeom>
+          <a:ln>
+            <a:solidFill>
+              <a:srgbClr val="2FBB9D"/>
+            </a:solidFill>
+          </a:ln>
+        </p:spPr>
+        <p:style>
+          <a:lnRef idx="1">
+            <a:schemeClr val="accent1"/>
+          </a:lnRef>
+          <a:fillRef idx="0">
+            <a:schemeClr val="accent1"/>
+          </a:fillRef>
+          <a:effectRef idx="0">
+            <a:schemeClr val="accent1"/>
+          </a:effectRef>
+          <a:fontRef idx="minor">
+            <a:schemeClr val="tx1"/>
+          </a:fontRef>
+        </p:style>
+      </p:cxnSp>
+      <p:cxnSp>
+        <p:nvCxnSpPr>
+          <p:cNvPr id="70" name="Straight Connector 69">
+            <a:extLst>
+              <a:ext uri="{FF2B5EF4-FFF2-40B4-BE49-F238E27FC236}">
+                <a16:creationId xmlns:a16="http://schemas.microsoft.com/office/drawing/2014/main" id="{326D0243-E306-4F70-A32A-4293FD67617D}"/>
+              </a:ext>
+            </a:extLst>
+          </p:cNvPr>
+          <p:cNvCxnSpPr/>
+          <p:nvPr/>
+        </p:nvCxnSpPr>
+        <p:spPr>
+          <a:xfrm>
+            <a:off x="6173635" y="6301343"/>
+            <a:ext cx="0" cy="290362"/>
+          </a:xfrm>
+          <a:prstGeom prst="line">
+            <a:avLst/>
+          </a:prstGeom>
+          <a:ln>
+            <a:solidFill>
+              <a:srgbClr val="2FBB9D"/>
+            </a:solidFill>
+          </a:ln>
+        </p:spPr>
+        <p:style>
+          <a:lnRef idx="1">
+            <a:schemeClr val="accent1"/>
+          </a:lnRef>
+          <a:fillRef idx="0">
+            <a:schemeClr val="accent1"/>
+          </a:fillRef>
+          <a:effectRef idx="0">
+            <a:schemeClr val="accent1"/>
+          </a:effectRef>
+          <a:fontRef idx="minor">
+            <a:schemeClr val="tx1"/>
+          </a:fontRef>
+        </p:style>
+      </p:cxnSp>
+      <p:cxnSp>
+        <p:nvCxnSpPr>
+          <p:cNvPr id="86" name="Straight Arrow Connector 85">
+            <a:extLst>
+              <a:ext uri="{FF2B5EF4-FFF2-40B4-BE49-F238E27FC236}">
+                <a16:creationId xmlns:a16="http://schemas.microsoft.com/office/drawing/2014/main" id="{5FA1C0C4-7467-463D-B652-3E1187891385}"/>
+              </a:ext>
+            </a:extLst>
+          </p:cNvPr>
+          <p:cNvCxnSpPr>
+            <a:cxnSpLocks/>
+          </p:cNvCxnSpPr>
+          <p:nvPr/>
+        </p:nvCxnSpPr>
+        <p:spPr>
+          <a:xfrm>
+            <a:off x="9526575" y="5214595"/>
+            <a:ext cx="447039" cy="0"/>
+          </a:xfrm>
+          <a:prstGeom prst="straightConnector1">
+            <a:avLst/>
+          </a:prstGeom>
+          <a:ln>
+            <a:solidFill>
+              <a:srgbClr val="2FBB9D"/>
+            </a:solidFill>
+            <a:tailEnd type="triangle"/>
+          </a:ln>
+        </p:spPr>
+        <p:style>
+          <a:lnRef idx="1">
+            <a:schemeClr val="accent1"/>
+          </a:lnRef>
+          <a:fillRef idx="0">
+            <a:schemeClr val="accent1"/>
+          </a:fillRef>
+          <a:effectRef idx="0">
+            <a:schemeClr val="accent1"/>
+          </a:effectRef>
+          <a:fontRef idx="minor">
+            <a:schemeClr val="tx1"/>
+          </a:fontRef>
+        </p:style>
+      </p:cxnSp>
+    </p:spTree>
+    <p:extLst>
+      <p:ext uri="{BB962C8B-B14F-4D97-AF65-F5344CB8AC3E}">
+        <p14:creationId xmlns:p14="http://schemas.microsoft.com/office/powerpoint/2010/main" val="2868723052"/>
+      </p:ext>
+    </p:extLst>
+  </p:cSld>
+  <p:clrMapOvr>
+    <a:masterClrMapping/>
+  </p:clrMapOvr>
+</p:sld>
+</file>
+
+<file path=ppt/slides/slide11.xml><?xml version="1.0" encoding="utf-8"?>
+<p:sld xmlns:a="http://schemas.openxmlformats.org/drawingml/2006/main" xmlns:r="http://schemas.openxmlformats.org/officeDocument/2006/relationships" xmlns:p="http://schemas.openxmlformats.org/presentationml/2006/main">
+  <p:cSld>
+    <p:spTree>
+      <p:nvGrpSpPr>
+        <p:cNvPr id="1" name=""/>
+        <p:cNvGrpSpPr/>
+        <p:nvPr/>
+      </p:nvGrpSpPr>
+      <p:grpSpPr>
+        <a:xfrm>
+          <a:off x="0" y="0"/>
+          <a:ext cx="0" cy="0"/>
+          <a:chOff x="0" y="0"/>
+          <a:chExt cx="0" cy="0"/>
+        </a:xfrm>
+      </p:grpSpPr>
+      <p:sp>
+        <p:nvSpPr>
+          <p:cNvPr id="2" name="Title 1">
+            <a:extLst>
+              <a:ext uri="{FF2B5EF4-FFF2-40B4-BE49-F238E27FC236}">
+                <a16:creationId xmlns:a16="http://schemas.microsoft.com/office/drawing/2014/main" id="{B0AC123E-F4B3-4F3F-88E7-11B31CBCB6A0}"/>
+              </a:ext>
+            </a:extLst>
+          </p:cNvPr>
+          <p:cNvSpPr>
+            <a:spLocks noGrp="1"/>
+          </p:cNvSpPr>
+          <p:nvPr>
+            <p:ph type="title"/>
+          </p:nvPr>
+        </p:nvSpPr>
+        <p:spPr/>
+        <p:txBody>
+          <a:bodyPr/>
+          <a:lstStyle/>
+          <a:p>
+            <a:endParaRPr lang="en-US"/>
+          </a:p>
+        </p:txBody>
+      </p:sp>
+      <p:sp>
+        <p:nvSpPr>
+          <p:cNvPr id="11" name="Content Placeholder 10">
+            <a:extLst>
+              <a:ext uri="{FF2B5EF4-FFF2-40B4-BE49-F238E27FC236}">
+                <a16:creationId xmlns:a16="http://schemas.microsoft.com/office/drawing/2014/main" id="{FDB7AB1D-4588-4E00-B80A-367BD8912659}"/>
+              </a:ext>
+            </a:extLst>
+          </p:cNvPr>
+          <p:cNvSpPr>
+            <a:spLocks noGrp="1"/>
+          </p:cNvSpPr>
+          <p:nvPr>
+            <p:ph idx="1"/>
+          </p:nvPr>
+        </p:nvSpPr>
+        <p:spPr/>
+        <p:txBody>
+          <a:bodyPr/>
+          <a:lstStyle/>
+          <a:p>
+            <a:endParaRPr lang="en-US"/>
+          </a:p>
+        </p:txBody>
+      </p:sp>
+    </p:spTree>
+    <p:extLst>
+      <p:ext uri="{BB962C8B-B14F-4D97-AF65-F5344CB8AC3E}">
+        <p14:creationId xmlns:p14="http://schemas.microsoft.com/office/powerpoint/2010/main" val="359831639"/>
+      </p:ext>
+    </p:extLst>
+  </p:cSld>
+  <p:clrMapOvr>
+    <a:masterClrMapping/>
+  </p:clrMapOvr>
+</p:sld>
+</file>
+
 <file path=ppt/slides/slide2.xml><?xml version="1.0" encoding="utf-8"?>
 <p:sld xmlns:a="http://schemas.openxmlformats.org/drawingml/2006/main" xmlns:r="http://schemas.openxmlformats.org/officeDocument/2006/relationships" xmlns:p="http://schemas.openxmlformats.org/presentationml/2006/main">
   <p:cSld>
